--- a/Inventory Management System midterm code review.pptx
+++ b/Inventory Management System midterm code review.pptx
@@ -108,6 +108,11 @@
       </a:defRPr>
     </a:lvl9pPr>
   </p:defaultTextStyle>
+  <p:extLst>
+    <p:ext uri="{EFAFB233-063F-42B5-8137-9DF3F51BA10A}">
+      <p15:sldGuideLst xmlns:p15="http://schemas.microsoft.com/office/powerpoint/2012/main"/>
+    </p:ext>
+  </p:extLst>
 </p:presentation>
 </file>
 
@@ -6338,8 +6343,27 @@
           <a:p>
             <a:r>
               <a:rPr lang="en-US" dirty="0"/>
-              <a:t>Major problems running current build on different computers, probably due to visual studio</a:t>
-            </a:r>
+              <a:t>Major problems running current build on different computers</a:t>
+            </a:r>
+          </a:p>
+          <a:p>
+            <a:r>
+              <a:rPr lang="en-US" dirty="0"/>
+              <a:t>Made as a website using ASP.net</a:t>
+            </a:r>
+          </a:p>
+          <a:p>
+            <a:r>
+              <a:rPr lang="en-US" dirty="0"/>
+              <a:t>Pages built out for login, inventory adding, account registration, viewing inventory and a </a:t>
+            </a:r>
+            <a:r>
+              <a:rPr lang="en-US"/>
+              <a:t>min menu </a:t>
+            </a:r>
+          </a:p>
+          <a:p>
+            <a:endParaRPr lang="en-US" dirty="0"/>
           </a:p>
           <a:p>
             <a:endParaRPr lang="en-US" dirty="0"/>
@@ -6716,8 +6740,13 @@
           <a:p>
             <a:r>
               <a:rPr lang="en-US" dirty="0"/>
-              <a:t>Candidate APIs found but do to problems running the interface have not been tested</a:t>
-            </a:r>
+              <a:t>Candidate APIs found but do to problems running the interface have not been </a:t>
+            </a:r>
+            <a:r>
+              <a:rPr lang="en-US"/>
+              <a:t>implamented</a:t>
+            </a:r>
+            <a:endParaRPr lang="en-US" dirty="0"/>
           </a:p>
         </p:txBody>
       </p:sp>

--- a/Inventory Management System midterm code review.pptx
+++ b/Inventory Management System midterm code review.pptx
@@ -8,8 +8,12 @@
     <p:sldId id="256" r:id="rId2"/>
     <p:sldId id="257" r:id="rId3"/>
     <p:sldId id="258" r:id="rId4"/>
-    <p:sldId id="259" r:id="rId5"/>
-    <p:sldId id="260" r:id="rId6"/>
+    <p:sldId id="261" r:id="rId5"/>
+    <p:sldId id="262" r:id="rId6"/>
+    <p:sldId id="263" r:id="rId7"/>
+    <p:sldId id="264" r:id="rId8"/>
+    <p:sldId id="259" r:id="rId9"/>
+    <p:sldId id="260" r:id="rId10"/>
   </p:sldIdLst>
   <p:sldSz cx="12192000" cy="6858000"/>
   <p:notesSz cx="6858000" cy="9144000"/>
@@ -302,7 +306,7 @@
           <a:p>
             <a:fld id="{4AAD347D-5ACD-4C99-B74B-A9C85AD731AF}" type="datetimeFigureOut">
               <a:rPr lang="en-US" dirty="0"/>
-              <a:t>2/24/2018</a:t>
+              <a:t>2/27/2018</a:t>
             </a:fld>
             <a:endParaRPr lang="en-US" dirty="0"/>
           </a:p>
@@ -572,7 +576,7 @@
           <a:p>
             <a:fld id="{4509A250-FF31-4206-8172-F9D3106AACB1}" type="datetimeFigureOut">
               <a:rPr lang="en-US" dirty="0"/>
-              <a:t>2/24/2018</a:t>
+              <a:t>2/27/2018</a:t>
             </a:fld>
             <a:endParaRPr lang="en-US" dirty="0"/>
           </a:p>
@@ -761,7 +765,7 @@
           <a:p>
             <a:fld id="{4509A250-FF31-4206-8172-F9D3106AACB1}" type="datetimeFigureOut">
               <a:rPr lang="en-US" dirty="0"/>
-              <a:t>2/24/2018</a:t>
+              <a:t>2/27/2018</a:t>
             </a:fld>
             <a:endParaRPr lang="en-US" dirty="0"/>
           </a:p>
@@ -1029,7 +1033,7 @@
           <a:p>
             <a:fld id="{4509A250-FF31-4206-8172-F9D3106AACB1}" type="datetimeFigureOut">
               <a:rPr lang="en-US" dirty="0"/>
-              <a:t>2/24/2018</a:t>
+              <a:t>2/27/2018</a:t>
             </a:fld>
             <a:endParaRPr lang="en-US" dirty="0"/>
           </a:p>
@@ -1365,7 +1369,7 @@
           <a:p>
             <a:fld id="{4509A250-FF31-4206-8172-F9D3106AACB1}" type="datetimeFigureOut">
               <a:rPr lang="en-US" dirty="0"/>
-              <a:t>2/24/2018</a:t>
+              <a:t>2/27/2018</a:t>
             </a:fld>
             <a:endParaRPr lang="en-US" dirty="0"/>
           </a:p>
@@ -1983,7 +1987,7 @@
           <a:p>
             <a:fld id="{4509A250-FF31-4206-8172-F9D3106AACB1}" type="datetimeFigureOut">
               <a:rPr lang="en-US" dirty="0"/>
-              <a:t>2/24/2018</a:t>
+              <a:t>2/27/2018</a:t>
             </a:fld>
             <a:endParaRPr lang="en-US" dirty="0"/>
           </a:p>
@@ -2838,7 +2842,7 @@
           <a:p>
             <a:fld id="{4509A250-FF31-4206-8172-F9D3106AACB1}" type="datetimeFigureOut">
               <a:rPr lang="en-US" dirty="0"/>
-              <a:t>2/24/2018</a:t>
+              <a:t>2/27/2018</a:t>
             </a:fld>
             <a:endParaRPr lang="en-US" dirty="0"/>
           </a:p>
@@ -3003,7 +3007,7 @@
           <a:p>
             <a:fld id="{4509A250-FF31-4206-8172-F9D3106AACB1}" type="datetimeFigureOut">
               <a:rPr lang="en-US" dirty="0"/>
-              <a:t>2/24/2018</a:t>
+              <a:t>2/27/2018</a:t>
             </a:fld>
             <a:endParaRPr lang="en-US" dirty="0"/>
           </a:p>
@@ -3178,7 +3182,7 @@
           <a:p>
             <a:fld id="{4509A250-FF31-4206-8172-F9D3106AACB1}" type="datetimeFigureOut">
               <a:rPr lang="en-US" dirty="0"/>
-              <a:t>2/24/2018</a:t>
+              <a:t>2/27/2018</a:t>
             </a:fld>
             <a:endParaRPr lang="en-US" dirty="0"/>
           </a:p>
@@ -3343,7 +3347,7 @@
           <a:p>
             <a:fld id="{4509A250-FF31-4206-8172-F9D3106AACB1}" type="datetimeFigureOut">
               <a:rPr lang="en-US" dirty="0"/>
-              <a:t>2/24/2018</a:t>
+              <a:t>2/27/2018</a:t>
             </a:fld>
             <a:endParaRPr lang="en-US" dirty="0"/>
           </a:p>
@@ -3585,7 +3589,7 @@
           <a:p>
             <a:fld id="{9796027F-7875-4030-9381-8BD8C4F21935}" type="datetimeFigureOut">
               <a:rPr lang="en-US" dirty="0"/>
-              <a:t>2/24/2018</a:t>
+              <a:t>2/27/2018</a:t>
             </a:fld>
             <a:endParaRPr lang="en-US" dirty="0"/>
           </a:p>
@@ -3872,7 +3876,7 @@
           <a:p>
             <a:fld id="{9796027F-7875-4030-9381-8BD8C4F21935}" type="datetimeFigureOut">
               <a:rPr lang="en-US" dirty="0"/>
-              <a:t>2/24/2018</a:t>
+              <a:t>2/27/2018</a:t>
             </a:fld>
             <a:endParaRPr lang="en-US" dirty="0"/>
           </a:p>
@@ -4311,7 +4315,7 @@
           <a:p>
             <a:fld id="{9796027F-7875-4030-9381-8BD8C4F21935}" type="datetimeFigureOut">
               <a:rPr lang="en-US" dirty="0"/>
-              <a:t>2/24/2018</a:t>
+              <a:t>2/27/2018</a:t>
             </a:fld>
             <a:endParaRPr lang="en-US" dirty="0"/>
           </a:p>
@@ -4424,7 +4428,7 @@
           <a:p>
             <a:fld id="{4509A250-FF31-4206-8172-F9D3106AACB1}" type="datetimeFigureOut">
               <a:rPr lang="en-US" dirty="0"/>
-              <a:t>2/24/2018</a:t>
+              <a:t>2/27/2018</a:t>
             </a:fld>
             <a:endParaRPr lang="en-US" dirty="0"/>
           </a:p>
@@ -4514,7 +4518,7 @@
           <a:p>
             <a:fld id="{4509A250-FF31-4206-8172-F9D3106AACB1}" type="datetimeFigureOut">
               <a:rPr lang="en-US" dirty="0"/>
-              <a:t>2/24/2018</a:t>
+              <a:t>2/27/2018</a:t>
             </a:fld>
             <a:endParaRPr lang="en-US" dirty="0"/>
           </a:p>
@@ -4788,7 +4792,7 @@
           <a:p>
             <a:fld id="{4509A250-FF31-4206-8172-F9D3106AACB1}" type="datetimeFigureOut">
               <a:rPr lang="en-US" dirty="0"/>
-              <a:t>2/24/2018</a:t>
+              <a:t>2/27/2018</a:t>
             </a:fld>
             <a:endParaRPr lang="en-US" dirty="0"/>
           </a:p>
@@ -5058,7 +5062,7 @@
           <a:p>
             <a:fld id="{4509A250-FF31-4206-8172-F9D3106AACB1}" type="datetimeFigureOut">
               <a:rPr lang="en-US" dirty="0"/>
-              <a:t>2/24/2018</a:t>
+              <a:t>2/27/2018</a:t>
             </a:fld>
             <a:endParaRPr lang="en-US" dirty="0"/>
           </a:p>
@@ -5482,7 +5486,7 @@
           <a:p>
             <a:fld id="{4AAD347D-5ACD-4C99-B74B-A9C85AD731AF}" type="datetimeFigureOut">
               <a:rPr lang="en-US" dirty="0"/>
-              <a:t>2/24/2018</a:t>
+              <a:t>2/27/2018</a:t>
             </a:fld>
             <a:endParaRPr lang="en-US" dirty="0"/>
           </a:p>
@@ -6275,7 +6279,7 @@
           <a:p>
             <a:r>
               <a:rPr lang="en-US" dirty="0"/>
-              <a:t>Prioritizing android be runnable on cellphones</a:t>
+              <a:t>Prioritizing android be runnable on cellphones using a web-based application. </a:t>
             </a:r>
           </a:p>
           <a:p>
@@ -6343,7 +6347,7 @@
           <a:p>
             <a:r>
               <a:rPr lang="en-US" dirty="0"/>
-              <a:t>Major problems running current build on different computers</a:t>
+              <a:t>Having trouble getting project to build on some machines. </a:t>
             </a:r>
           </a:p>
           <a:p>
@@ -6355,11 +6359,7 @@
           <a:p>
             <a:r>
               <a:rPr lang="en-US" dirty="0"/>
-              <a:t>Pages built out for login, inventory adding, account registration, viewing inventory and a </a:t>
-            </a:r>
-            <a:r>
-              <a:rPr lang="en-US"/>
-              <a:t>min menu </a:t>
+              <a:t>Pages exist for Create, Delete, Update, Locate, and View equipment. </a:t>
             </a:r>
           </a:p>
           <a:p>
@@ -6400,179 +6400,39 @@
           <a:chExt cx="0" cy="0"/>
         </a:xfrm>
       </p:grpSpPr>
-      <p:sp>
-        <p:nvSpPr>
-          <p:cNvPr id="2" name="Title 1">
+      <p:pic>
+        <p:nvPicPr>
+          <p:cNvPr id="8" name="Content Placeholder 7">
             <a:extLst>
               <a:ext uri="{FF2B5EF4-FFF2-40B4-BE49-F238E27FC236}">
-                <a16:creationId xmlns:a16="http://schemas.microsoft.com/office/drawing/2014/main" id="{F8E91008-10BF-44AE-A437-F19FDBEC3A23}"/>
+                <a16:creationId xmlns:a16="http://schemas.microsoft.com/office/drawing/2014/main" id="{9808B6F8-4D39-439F-AEB4-03CAB65228A7}"/>
               </a:ext>
             </a:extLst>
           </p:cNvPr>
-          <p:cNvSpPr>
-            <a:spLocks noGrp="1"/>
-          </p:cNvSpPr>
-          <p:nvPr>
-            <p:ph type="title"/>
-          </p:nvPr>
-        </p:nvSpPr>
-        <p:spPr/>
-        <p:txBody>
-          <a:bodyPr/>
-          <a:lstStyle/>
-          <a:p>
-            <a:r>
-              <a:rPr lang="en-US" dirty="0"/>
-              <a:t>Storage progress</a:t>
-            </a:r>
-          </a:p>
-        </p:txBody>
-      </p:sp>
-      <p:sp>
-        <p:nvSpPr>
-          <p:cNvPr id="3" name="Text Placeholder 2">
-            <a:extLst>
-              <a:ext uri="{FF2B5EF4-FFF2-40B4-BE49-F238E27FC236}">
-                <a16:creationId xmlns:a16="http://schemas.microsoft.com/office/drawing/2014/main" id="{E1D8523B-0145-462D-968B-A9A69156C42F}"/>
-              </a:ext>
-            </a:extLst>
-          </p:cNvPr>
-          <p:cNvSpPr>
-            <a:spLocks noGrp="1"/>
-          </p:cNvSpPr>
-          <p:nvPr>
-            <p:ph type="body" idx="1"/>
-          </p:nvPr>
-        </p:nvSpPr>
-        <p:spPr/>
-        <p:txBody>
-          <a:bodyPr/>
-          <a:lstStyle/>
-          <a:p>
-            <a:r>
-              <a:rPr lang="en-US" dirty="0"/>
-              <a:t>Goals </a:t>
-            </a:r>
-          </a:p>
-        </p:txBody>
-      </p:sp>
-      <p:sp>
-        <p:nvSpPr>
-          <p:cNvPr id="4" name="Content Placeholder 3">
-            <a:extLst>
-              <a:ext uri="{FF2B5EF4-FFF2-40B4-BE49-F238E27FC236}">
-                <a16:creationId xmlns:a16="http://schemas.microsoft.com/office/drawing/2014/main" id="{A21097C6-9A58-43E6-950A-1AD44F367B92}"/>
-              </a:ext>
-            </a:extLst>
-          </p:cNvPr>
-          <p:cNvSpPr>
-            <a:spLocks noGrp="1"/>
-          </p:cNvSpPr>
-          <p:nvPr>
-            <p:ph sz="half" idx="2"/>
-          </p:nvPr>
-        </p:nvSpPr>
-        <p:spPr/>
-        <p:txBody>
-          <a:bodyPr/>
-          <a:lstStyle/>
-          <a:p>
-            <a:r>
-              <a:rPr lang="en-US" dirty="0"/>
-              <a:t>Store all reverent information for inventory items </a:t>
-            </a:r>
-          </a:p>
-          <a:p>
-            <a:r>
-              <a:rPr lang="en-US" dirty="0"/>
-              <a:t>All for easy access and manipulation of stored items</a:t>
-            </a:r>
-          </a:p>
-          <a:p>
-            <a:endParaRPr lang="en-US" dirty="0"/>
-          </a:p>
-        </p:txBody>
-      </p:sp>
-      <p:sp>
-        <p:nvSpPr>
-          <p:cNvPr id="5" name="Text Placeholder 4">
-            <a:extLst>
-              <a:ext uri="{FF2B5EF4-FFF2-40B4-BE49-F238E27FC236}">
-                <a16:creationId xmlns:a16="http://schemas.microsoft.com/office/drawing/2014/main" id="{E52A98F1-C3F3-415B-9D4D-5420D2C234E6}"/>
-              </a:ext>
-            </a:extLst>
-          </p:cNvPr>
-          <p:cNvSpPr>
-            <a:spLocks noGrp="1"/>
-          </p:cNvSpPr>
-          <p:nvPr>
-            <p:ph type="body" sz="quarter" idx="3"/>
-          </p:nvPr>
-        </p:nvSpPr>
-        <p:spPr/>
-        <p:txBody>
-          <a:bodyPr/>
-          <a:lstStyle/>
-          <a:p>
-            <a:r>
-              <a:rPr lang="en-US" dirty="0"/>
-              <a:t>Current status </a:t>
-            </a:r>
-          </a:p>
-        </p:txBody>
-      </p:sp>
-      <p:sp>
-        <p:nvSpPr>
-          <p:cNvPr id="6" name="Content Placeholder 5">
-            <a:extLst>
-              <a:ext uri="{FF2B5EF4-FFF2-40B4-BE49-F238E27FC236}">
-                <a16:creationId xmlns:a16="http://schemas.microsoft.com/office/drawing/2014/main" id="{563A531E-B1C8-4877-A14C-DDF98DF32787}"/>
-              </a:ext>
-            </a:extLst>
-          </p:cNvPr>
-          <p:cNvSpPr>
-            <a:spLocks noGrp="1"/>
-          </p:cNvSpPr>
-          <p:nvPr>
-            <p:ph sz="quarter" idx="4"/>
-          </p:nvPr>
-        </p:nvSpPr>
-        <p:spPr/>
-        <p:txBody>
-          <a:bodyPr/>
-          <a:lstStyle/>
-          <a:p>
-            <a:r>
-              <a:rPr lang="en-US" dirty="0"/>
-              <a:t>We are using </a:t>
-            </a:r>
-            <a:r>
-              <a:rPr lang="en-US" dirty="0" err="1"/>
-              <a:t>SQLserver</a:t>
-            </a:r>
-            <a:r>
-              <a:rPr lang="en-US" dirty="0"/>
-              <a:t> for storage</a:t>
-            </a:r>
-          </a:p>
-          <a:p>
-            <a:r>
-              <a:rPr lang="en-US" dirty="0"/>
-              <a:t>Tables and server are set up </a:t>
-            </a:r>
-          </a:p>
-          <a:p>
-            <a:r>
-              <a:rPr lang="en-US" dirty="0"/>
-              <a:t>Web hooks and other integration with the interface still need to be implemented </a:t>
-            </a:r>
-          </a:p>
-        </p:txBody>
-      </p:sp>
+          <p:cNvPicPr>
+            <a:picLocks noGrp="1" noChangeAspect="1"/>
+          </p:cNvPicPr>
+          <p:nvPr>
+            <p:ph sz="half" idx="4294967295"/>
+          </p:nvPr>
+        </p:nvPicPr>
+        <p:blipFill>
+          <a:blip r:embed="rId2"/>
+          <a:stretch>
+            <a:fillRect/>
+          </a:stretch>
+        </p:blipFill>
+        <p:spPr>
+          <a:xfrm>
+            <a:off x="2162969" y="1694656"/>
+            <a:ext cx="7866062" cy="3468687"/>
+          </a:xfrm>
+        </p:spPr>
+      </p:pic>
     </p:spTree>
     <p:extLst>
       <p:ext uri="{BB962C8B-B14F-4D97-AF65-F5344CB8AC3E}">
-        <p14:creationId xmlns:p14="http://schemas.microsoft.com/office/powerpoint/2010/main" val="505615542"/>
+        <p14:creationId xmlns:p14="http://schemas.microsoft.com/office/powerpoint/2010/main" val="3922303416"/>
       </p:ext>
     </p:extLst>
   </p:cSld>
@@ -6599,6 +6459,355 @@
           <a:chExt cx="0" cy="0"/>
         </a:xfrm>
       </p:grpSpPr>
+      <p:pic>
+        <p:nvPicPr>
+          <p:cNvPr id="3" name="Picture 2">
+            <a:extLst>
+              <a:ext uri="{FF2B5EF4-FFF2-40B4-BE49-F238E27FC236}">
+                <a16:creationId xmlns:a16="http://schemas.microsoft.com/office/drawing/2014/main" id="{6F562C10-67F3-4336-ACAD-3CCE38987EFB}"/>
+              </a:ext>
+            </a:extLst>
+          </p:cNvPr>
+          <p:cNvPicPr>
+            <a:picLocks noChangeAspect="1"/>
+          </p:cNvPicPr>
+          <p:nvPr/>
+        </p:nvPicPr>
+        <p:blipFill>
+          <a:blip r:embed="rId2"/>
+          <a:stretch>
+            <a:fillRect/>
+          </a:stretch>
+        </p:blipFill>
+        <p:spPr>
+          <a:xfrm>
+            <a:off x="2805438" y="0"/>
+            <a:ext cx="6581124" cy="6858000"/>
+          </a:xfrm>
+          <a:prstGeom prst="rect">
+            <a:avLst/>
+          </a:prstGeom>
+        </p:spPr>
+      </p:pic>
+    </p:spTree>
+    <p:extLst>
+      <p:ext uri="{BB962C8B-B14F-4D97-AF65-F5344CB8AC3E}">
+        <p14:creationId xmlns:p14="http://schemas.microsoft.com/office/powerpoint/2010/main" val="1827242836"/>
+      </p:ext>
+    </p:extLst>
+  </p:cSld>
+  <p:clrMapOvr>
+    <a:masterClrMapping/>
+  </p:clrMapOvr>
+</p:sld>
+</file>
+
+<file path=ppt/slides/slide6.xml><?xml version="1.0" encoding="utf-8"?>
+<p:sld xmlns:a="http://schemas.openxmlformats.org/drawingml/2006/main" xmlns:r="http://schemas.openxmlformats.org/officeDocument/2006/relationships" xmlns:p="http://schemas.openxmlformats.org/presentationml/2006/main">
+  <p:cSld>
+    <p:spTree>
+      <p:nvGrpSpPr>
+        <p:cNvPr id="1" name=""/>
+        <p:cNvGrpSpPr/>
+        <p:nvPr/>
+      </p:nvGrpSpPr>
+      <p:grpSpPr>
+        <a:xfrm>
+          <a:off x="0" y="0"/>
+          <a:ext cx="0" cy="0"/>
+          <a:chOff x="0" y="0"/>
+          <a:chExt cx="0" cy="0"/>
+        </a:xfrm>
+      </p:grpSpPr>
+      <p:pic>
+        <p:nvPicPr>
+          <p:cNvPr id="3" name="Picture 2">
+            <a:extLst>
+              <a:ext uri="{FF2B5EF4-FFF2-40B4-BE49-F238E27FC236}">
+                <a16:creationId xmlns:a16="http://schemas.microsoft.com/office/drawing/2014/main" id="{3E8502E8-8EBC-4703-A6E2-EA5A3BD37F0E}"/>
+              </a:ext>
+            </a:extLst>
+          </p:cNvPr>
+          <p:cNvPicPr>
+            <a:picLocks noChangeAspect="1"/>
+          </p:cNvPicPr>
+          <p:nvPr/>
+        </p:nvPicPr>
+        <p:blipFill>
+          <a:blip r:embed="rId2"/>
+          <a:stretch>
+            <a:fillRect/>
+          </a:stretch>
+        </p:blipFill>
+        <p:spPr>
+          <a:xfrm>
+            <a:off x="1423335" y="1466576"/>
+            <a:ext cx="9345329" cy="3924848"/>
+          </a:xfrm>
+          <a:prstGeom prst="rect">
+            <a:avLst/>
+          </a:prstGeom>
+        </p:spPr>
+      </p:pic>
+    </p:spTree>
+    <p:extLst>
+      <p:ext uri="{BB962C8B-B14F-4D97-AF65-F5344CB8AC3E}">
+        <p14:creationId xmlns:p14="http://schemas.microsoft.com/office/powerpoint/2010/main" val="756737533"/>
+      </p:ext>
+    </p:extLst>
+  </p:cSld>
+  <p:clrMapOvr>
+    <a:masterClrMapping/>
+  </p:clrMapOvr>
+</p:sld>
+</file>
+
+<file path=ppt/slides/slide7.xml><?xml version="1.0" encoding="utf-8"?>
+<p:sld xmlns:a="http://schemas.openxmlformats.org/drawingml/2006/main" xmlns:r="http://schemas.openxmlformats.org/officeDocument/2006/relationships" xmlns:p="http://schemas.openxmlformats.org/presentationml/2006/main">
+  <p:cSld>
+    <p:spTree>
+      <p:nvGrpSpPr>
+        <p:cNvPr id="1" name=""/>
+        <p:cNvGrpSpPr/>
+        <p:nvPr/>
+      </p:nvGrpSpPr>
+      <p:grpSpPr>
+        <a:xfrm>
+          <a:off x="0" y="0"/>
+          <a:ext cx="0" cy="0"/>
+          <a:chOff x="0" y="0"/>
+          <a:chExt cx="0" cy="0"/>
+        </a:xfrm>
+      </p:grpSpPr>
+    </p:spTree>
+    <p:extLst>
+      <p:ext uri="{BB962C8B-B14F-4D97-AF65-F5344CB8AC3E}">
+        <p14:creationId xmlns:p14="http://schemas.microsoft.com/office/powerpoint/2010/main" val="3910984158"/>
+      </p:ext>
+    </p:extLst>
+  </p:cSld>
+  <p:clrMapOvr>
+    <a:masterClrMapping/>
+  </p:clrMapOvr>
+</p:sld>
+</file>
+
+<file path=ppt/slides/slide8.xml><?xml version="1.0" encoding="utf-8"?>
+<p:sld xmlns:a="http://schemas.openxmlformats.org/drawingml/2006/main" xmlns:r="http://schemas.openxmlformats.org/officeDocument/2006/relationships" xmlns:p="http://schemas.openxmlformats.org/presentationml/2006/main">
+  <p:cSld>
+    <p:spTree>
+      <p:nvGrpSpPr>
+        <p:cNvPr id="1" name=""/>
+        <p:cNvGrpSpPr/>
+        <p:nvPr/>
+      </p:nvGrpSpPr>
+      <p:grpSpPr>
+        <a:xfrm>
+          <a:off x="0" y="0"/>
+          <a:ext cx="0" cy="0"/>
+          <a:chOff x="0" y="0"/>
+          <a:chExt cx="0" cy="0"/>
+        </a:xfrm>
+      </p:grpSpPr>
+      <p:sp>
+        <p:nvSpPr>
+          <p:cNvPr id="2" name="Title 1">
+            <a:extLst>
+              <a:ext uri="{FF2B5EF4-FFF2-40B4-BE49-F238E27FC236}">
+                <a16:creationId xmlns:a16="http://schemas.microsoft.com/office/drawing/2014/main" id="{F8E91008-10BF-44AE-A437-F19FDBEC3A23}"/>
+              </a:ext>
+            </a:extLst>
+          </p:cNvPr>
+          <p:cNvSpPr>
+            <a:spLocks noGrp="1"/>
+          </p:cNvSpPr>
+          <p:nvPr>
+            <p:ph type="title"/>
+          </p:nvPr>
+        </p:nvSpPr>
+        <p:spPr/>
+        <p:txBody>
+          <a:bodyPr/>
+          <a:lstStyle/>
+          <a:p>
+            <a:r>
+              <a:rPr lang="en-US" dirty="0"/>
+              <a:t>Storage progress</a:t>
+            </a:r>
+          </a:p>
+        </p:txBody>
+      </p:sp>
+      <p:sp>
+        <p:nvSpPr>
+          <p:cNvPr id="3" name="Text Placeholder 2">
+            <a:extLst>
+              <a:ext uri="{FF2B5EF4-FFF2-40B4-BE49-F238E27FC236}">
+                <a16:creationId xmlns:a16="http://schemas.microsoft.com/office/drawing/2014/main" id="{E1D8523B-0145-462D-968B-A9A69156C42F}"/>
+              </a:ext>
+            </a:extLst>
+          </p:cNvPr>
+          <p:cNvSpPr>
+            <a:spLocks noGrp="1"/>
+          </p:cNvSpPr>
+          <p:nvPr>
+            <p:ph type="body" idx="1"/>
+          </p:nvPr>
+        </p:nvSpPr>
+        <p:spPr/>
+        <p:txBody>
+          <a:bodyPr/>
+          <a:lstStyle/>
+          <a:p>
+            <a:r>
+              <a:rPr lang="en-US" dirty="0"/>
+              <a:t>Goals </a:t>
+            </a:r>
+          </a:p>
+        </p:txBody>
+      </p:sp>
+      <p:sp>
+        <p:nvSpPr>
+          <p:cNvPr id="4" name="Content Placeholder 3">
+            <a:extLst>
+              <a:ext uri="{FF2B5EF4-FFF2-40B4-BE49-F238E27FC236}">
+                <a16:creationId xmlns:a16="http://schemas.microsoft.com/office/drawing/2014/main" id="{A21097C6-9A58-43E6-950A-1AD44F367B92}"/>
+              </a:ext>
+            </a:extLst>
+          </p:cNvPr>
+          <p:cNvSpPr>
+            <a:spLocks noGrp="1"/>
+          </p:cNvSpPr>
+          <p:nvPr>
+            <p:ph sz="half" idx="2"/>
+          </p:nvPr>
+        </p:nvSpPr>
+        <p:spPr/>
+        <p:txBody>
+          <a:bodyPr/>
+          <a:lstStyle/>
+          <a:p>
+            <a:r>
+              <a:rPr lang="en-US" dirty="0"/>
+              <a:t>Store all relevant information for inventory items </a:t>
+            </a:r>
+          </a:p>
+          <a:p>
+            <a:r>
+              <a:rPr lang="en-US" dirty="0"/>
+              <a:t>All for easy access and manipulation of stored items</a:t>
+            </a:r>
+          </a:p>
+          <a:p>
+            <a:endParaRPr lang="en-US" dirty="0"/>
+          </a:p>
+        </p:txBody>
+      </p:sp>
+      <p:sp>
+        <p:nvSpPr>
+          <p:cNvPr id="5" name="Text Placeholder 4">
+            <a:extLst>
+              <a:ext uri="{FF2B5EF4-FFF2-40B4-BE49-F238E27FC236}">
+                <a16:creationId xmlns:a16="http://schemas.microsoft.com/office/drawing/2014/main" id="{E52A98F1-C3F3-415B-9D4D-5420D2C234E6}"/>
+              </a:ext>
+            </a:extLst>
+          </p:cNvPr>
+          <p:cNvSpPr>
+            <a:spLocks noGrp="1"/>
+          </p:cNvSpPr>
+          <p:nvPr>
+            <p:ph type="body" sz="quarter" idx="3"/>
+          </p:nvPr>
+        </p:nvSpPr>
+        <p:spPr/>
+        <p:txBody>
+          <a:bodyPr/>
+          <a:lstStyle/>
+          <a:p>
+            <a:r>
+              <a:rPr lang="en-US" dirty="0"/>
+              <a:t>Current status </a:t>
+            </a:r>
+          </a:p>
+        </p:txBody>
+      </p:sp>
+      <p:sp>
+        <p:nvSpPr>
+          <p:cNvPr id="6" name="Content Placeholder 5">
+            <a:extLst>
+              <a:ext uri="{FF2B5EF4-FFF2-40B4-BE49-F238E27FC236}">
+                <a16:creationId xmlns:a16="http://schemas.microsoft.com/office/drawing/2014/main" id="{563A531E-B1C8-4877-A14C-DDF98DF32787}"/>
+              </a:ext>
+            </a:extLst>
+          </p:cNvPr>
+          <p:cNvSpPr>
+            <a:spLocks noGrp="1"/>
+          </p:cNvSpPr>
+          <p:nvPr>
+            <p:ph sz="quarter" idx="4"/>
+          </p:nvPr>
+        </p:nvSpPr>
+        <p:spPr/>
+        <p:txBody>
+          <a:bodyPr/>
+          <a:lstStyle/>
+          <a:p>
+            <a:r>
+              <a:rPr lang="en-US" dirty="0"/>
+              <a:t>We are using </a:t>
+            </a:r>
+            <a:r>
+              <a:rPr lang="en-US" dirty="0" err="1"/>
+              <a:t>SQLServer</a:t>
+            </a:r>
+            <a:r>
+              <a:rPr lang="en-US" dirty="0"/>
+              <a:t> for storage</a:t>
+            </a:r>
+          </a:p>
+          <a:p>
+            <a:r>
+              <a:rPr lang="en-US" dirty="0"/>
+              <a:t>Tables and server are set up </a:t>
+            </a:r>
+          </a:p>
+          <a:p>
+            <a:r>
+              <a:rPr lang="en-US" dirty="0"/>
+              <a:t>Backend programming to connect to DB still need to be finalized. </a:t>
+            </a:r>
+          </a:p>
+        </p:txBody>
+      </p:sp>
+    </p:spTree>
+    <p:extLst>
+      <p:ext uri="{BB962C8B-B14F-4D97-AF65-F5344CB8AC3E}">
+        <p14:creationId xmlns:p14="http://schemas.microsoft.com/office/powerpoint/2010/main" val="505615542"/>
+      </p:ext>
+    </p:extLst>
+  </p:cSld>
+  <p:clrMapOvr>
+    <a:masterClrMapping/>
+  </p:clrMapOvr>
+</p:sld>
+</file>
+
+<file path=ppt/slides/slide9.xml><?xml version="1.0" encoding="utf-8"?>
+<p:sld xmlns:a="http://schemas.openxmlformats.org/drawingml/2006/main" xmlns:r="http://schemas.openxmlformats.org/officeDocument/2006/relationships" xmlns:p="http://schemas.openxmlformats.org/presentationml/2006/main">
+  <p:cSld>
+    <p:spTree>
+      <p:nvGrpSpPr>
+        <p:cNvPr id="1" name=""/>
+        <p:cNvGrpSpPr/>
+        <p:nvPr/>
+      </p:nvGrpSpPr>
+      <p:grpSpPr>
+        <a:xfrm>
+          <a:off x="0" y="0"/>
+          <a:ext cx="0" cy="0"/>
+          <a:chOff x="0" y="0"/>
+          <a:chExt cx="0" cy="0"/>
+        </a:xfrm>
+      </p:grpSpPr>
       <p:sp>
         <p:nvSpPr>
           <p:cNvPr id="2" name="Title 1">
@@ -6740,13 +6949,24 @@
           <a:p>
             <a:r>
               <a:rPr lang="en-US" dirty="0"/>
-              <a:t>Candidate APIs found but do to problems running the interface have not been </a:t>
-            </a:r>
-            <a:r>
-              <a:rPr lang="en-US"/>
-              <a:t>implamented</a:t>
-            </a:r>
-            <a:endParaRPr lang="en-US" dirty="0"/>
+              <a:t>Using </a:t>
+            </a:r>
+            <a:r>
+              <a:rPr lang="en-US" dirty="0" err="1"/>
+              <a:t>FreeSpire</a:t>
+            </a:r>
+            <a:r>
+              <a:rPr lang="en-US" dirty="0"/>
+              <a:t> Barcode API to scan in barcodes from .</a:t>
+            </a:r>
+            <a:r>
+              <a:rPr lang="en-US" dirty="0" err="1"/>
+              <a:t>png</a:t>
+            </a:r>
+            <a:r>
+              <a:rPr lang="en-US" dirty="0"/>
+              <a:t>. Will be getting live scans up next. </a:t>
+            </a:r>
           </a:p>
         </p:txBody>
       </p:sp>

--- a/Inventory Management System midterm code review.pptx
+++ b/Inventory Management System midterm code review.pptx
@@ -9,11 +9,14 @@
     <p:sldId id="257" r:id="rId3"/>
     <p:sldId id="258" r:id="rId4"/>
     <p:sldId id="261" r:id="rId5"/>
-    <p:sldId id="262" r:id="rId6"/>
-    <p:sldId id="263" r:id="rId7"/>
+    <p:sldId id="263" r:id="rId6"/>
+    <p:sldId id="262" r:id="rId7"/>
     <p:sldId id="264" r:id="rId8"/>
-    <p:sldId id="259" r:id="rId9"/>
-    <p:sldId id="260" r:id="rId10"/>
+    <p:sldId id="265" r:id="rId9"/>
+    <p:sldId id="266" r:id="rId10"/>
+    <p:sldId id="267" r:id="rId11"/>
+    <p:sldId id="259" r:id="rId12"/>
+    <p:sldId id="260" r:id="rId13"/>
   </p:sldIdLst>
   <p:sldSz cx="12192000" cy="6858000"/>
   <p:notesSz cx="6858000" cy="9144000"/>
@@ -306,7 +309,7 @@
           <a:p>
             <a:fld id="{4AAD347D-5ACD-4C99-B74B-A9C85AD731AF}" type="datetimeFigureOut">
               <a:rPr lang="en-US" dirty="0"/>
-              <a:t>2/27/2018</a:t>
+              <a:t>2/28/2018</a:t>
             </a:fld>
             <a:endParaRPr lang="en-US" dirty="0"/>
           </a:p>
@@ -576,7 +579,7 @@
           <a:p>
             <a:fld id="{4509A250-FF31-4206-8172-F9D3106AACB1}" type="datetimeFigureOut">
               <a:rPr lang="en-US" dirty="0"/>
-              <a:t>2/27/2018</a:t>
+              <a:t>2/28/2018</a:t>
             </a:fld>
             <a:endParaRPr lang="en-US" dirty="0"/>
           </a:p>
@@ -765,7 +768,7 @@
           <a:p>
             <a:fld id="{4509A250-FF31-4206-8172-F9D3106AACB1}" type="datetimeFigureOut">
               <a:rPr lang="en-US" dirty="0"/>
-              <a:t>2/27/2018</a:t>
+              <a:t>2/28/2018</a:t>
             </a:fld>
             <a:endParaRPr lang="en-US" dirty="0"/>
           </a:p>
@@ -1033,7 +1036,7 @@
           <a:p>
             <a:fld id="{4509A250-FF31-4206-8172-F9D3106AACB1}" type="datetimeFigureOut">
               <a:rPr lang="en-US" dirty="0"/>
-              <a:t>2/27/2018</a:t>
+              <a:t>2/28/2018</a:t>
             </a:fld>
             <a:endParaRPr lang="en-US" dirty="0"/>
           </a:p>
@@ -1369,7 +1372,7 @@
           <a:p>
             <a:fld id="{4509A250-FF31-4206-8172-F9D3106AACB1}" type="datetimeFigureOut">
               <a:rPr lang="en-US" dirty="0"/>
-              <a:t>2/27/2018</a:t>
+              <a:t>2/28/2018</a:t>
             </a:fld>
             <a:endParaRPr lang="en-US" dirty="0"/>
           </a:p>
@@ -1987,7 +1990,7 @@
           <a:p>
             <a:fld id="{4509A250-FF31-4206-8172-F9D3106AACB1}" type="datetimeFigureOut">
               <a:rPr lang="en-US" dirty="0"/>
-              <a:t>2/27/2018</a:t>
+              <a:t>2/28/2018</a:t>
             </a:fld>
             <a:endParaRPr lang="en-US" dirty="0"/>
           </a:p>
@@ -2842,7 +2845,7 @@
           <a:p>
             <a:fld id="{4509A250-FF31-4206-8172-F9D3106AACB1}" type="datetimeFigureOut">
               <a:rPr lang="en-US" dirty="0"/>
-              <a:t>2/27/2018</a:t>
+              <a:t>2/28/2018</a:t>
             </a:fld>
             <a:endParaRPr lang="en-US" dirty="0"/>
           </a:p>
@@ -3007,7 +3010,7 @@
           <a:p>
             <a:fld id="{4509A250-FF31-4206-8172-F9D3106AACB1}" type="datetimeFigureOut">
               <a:rPr lang="en-US" dirty="0"/>
-              <a:t>2/27/2018</a:t>
+              <a:t>2/28/2018</a:t>
             </a:fld>
             <a:endParaRPr lang="en-US" dirty="0"/>
           </a:p>
@@ -3182,7 +3185,7 @@
           <a:p>
             <a:fld id="{4509A250-FF31-4206-8172-F9D3106AACB1}" type="datetimeFigureOut">
               <a:rPr lang="en-US" dirty="0"/>
-              <a:t>2/27/2018</a:t>
+              <a:t>2/28/2018</a:t>
             </a:fld>
             <a:endParaRPr lang="en-US" dirty="0"/>
           </a:p>
@@ -3347,7 +3350,7 @@
           <a:p>
             <a:fld id="{4509A250-FF31-4206-8172-F9D3106AACB1}" type="datetimeFigureOut">
               <a:rPr lang="en-US" dirty="0"/>
-              <a:t>2/27/2018</a:t>
+              <a:t>2/28/2018</a:t>
             </a:fld>
             <a:endParaRPr lang="en-US" dirty="0"/>
           </a:p>
@@ -3589,7 +3592,7 @@
           <a:p>
             <a:fld id="{9796027F-7875-4030-9381-8BD8C4F21935}" type="datetimeFigureOut">
               <a:rPr lang="en-US" dirty="0"/>
-              <a:t>2/27/2018</a:t>
+              <a:t>2/28/2018</a:t>
             </a:fld>
             <a:endParaRPr lang="en-US" dirty="0"/>
           </a:p>
@@ -3876,7 +3879,7 @@
           <a:p>
             <a:fld id="{9796027F-7875-4030-9381-8BD8C4F21935}" type="datetimeFigureOut">
               <a:rPr lang="en-US" dirty="0"/>
-              <a:t>2/27/2018</a:t>
+              <a:t>2/28/2018</a:t>
             </a:fld>
             <a:endParaRPr lang="en-US" dirty="0"/>
           </a:p>
@@ -4315,7 +4318,7 @@
           <a:p>
             <a:fld id="{9796027F-7875-4030-9381-8BD8C4F21935}" type="datetimeFigureOut">
               <a:rPr lang="en-US" dirty="0"/>
-              <a:t>2/27/2018</a:t>
+              <a:t>2/28/2018</a:t>
             </a:fld>
             <a:endParaRPr lang="en-US" dirty="0"/>
           </a:p>
@@ -4428,7 +4431,7 @@
           <a:p>
             <a:fld id="{4509A250-FF31-4206-8172-F9D3106AACB1}" type="datetimeFigureOut">
               <a:rPr lang="en-US" dirty="0"/>
-              <a:t>2/27/2018</a:t>
+              <a:t>2/28/2018</a:t>
             </a:fld>
             <a:endParaRPr lang="en-US" dirty="0"/>
           </a:p>
@@ -4518,7 +4521,7 @@
           <a:p>
             <a:fld id="{4509A250-FF31-4206-8172-F9D3106AACB1}" type="datetimeFigureOut">
               <a:rPr lang="en-US" dirty="0"/>
-              <a:t>2/27/2018</a:t>
+              <a:t>2/28/2018</a:t>
             </a:fld>
             <a:endParaRPr lang="en-US" dirty="0"/>
           </a:p>
@@ -4792,7 +4795,7 @@
           <a:p>
             <a:fld id="{4509A250-FF31-4206-8172-F9D3106AACB1}" type="datetimeFigureOut">
               <a:rPr lang="en-US" dirty="0"/>
-              <a:t>2/27/2018</a:t>
+              <a:t>2/28/2018</a:t>
             </a:fld>
             <a:endParaRPr lang="en-US" dirty="0"/>
           </a:p>
@@ -5062,7 +5065,7 @@
           <a:p>
             <a:fld id="{4509A250-FF31-4206-8172-F9D3106AACB1}" type="datetimeFigureOut">
               <a:rPr lang="en-US" dirty="0"/>
-              <a:t>2/27/2018</a:t>
+              <a:t>2/28/2018</a:t>
             </a:fld>
             <a:endParaRPr lang="en-US" dirty="0"/>
           </a:p>
@@ -5486,7 +5489,7 @@
           <a:p>
             <a:fld id="{4AAD347D-5ACD-4C99-B74B-A9C85AD731AF}" type="datetimeFigureOut">
               <a:rPr lang="en-US" dirty="0"/>
-              <a:t>2/27/2018</a:t>
+              <a:t>2/28/2018</a:t>
             </a:fld>
             <a:endParaRPr lang="en-US" dirty="0"/>
           </a:p>
@@ -6079,6 +6082,469 @@
 </p:sld>
 </file>
 
+<file path=ppt/slides/slide10.xml><?xml version="1.0" encoding="utf-8"?>
+<p:sld xmlns:a="http://schemas.openxmlformats.org/drawingml/2006/main" xmlns:r="http://schemas.openxmlformats.org/officeDocument/2006/relationships" xmlns:p="http://schemas.openxmlformats.org/presentationml/2006/main">
+  <p:cSld>
+    <p:spTree>
+      <p:nvGrpSpPr>
+        <p:cNvPr id="1" name=""/>
+        <p:cNvGrpSpPr/>
+        <p:nvPr/>
+      </p:nvGrpSpPr>
+      <p:grpSpPr>
+        <a:xfrm>
+          <a:off x="0" y="0"/>
+          <a:ext cx="0" cy="0"/>
+          <a:chOff x="0" y="0"/>
+          <a:chExt cx="0" cy="0"/>
+        </a:xfrm>
+      </p:grpSpPr>
+      <p:pic>
+        <p:nvPicPr>
+          <p:cNvPr id="3" name="Picture 2" descr="A screenshot of a cell phone&#10;&#10;Description generated with very high confidence">
+            <a:extLst>
+              <a:ext uri="{FF2B5EF4-FFF2-40B4-BE49-F238E27FC236}">
+                <a16:creationId xmlns:a16="http://schemas.microsoft.com/office/drawing/2014/main" id="{EC03C0FF-32A8-43B3-BC1D-C427AFE91C0B}"/>
+              </a:ext>
+            </a:extLst>
+          </p:cNvPr>
+          <p:cNvPicPr>
+            <a:picLocks noChangeAspect="1"/>
+          </p:cNvPicPr>
+          <p:nvPr/>
+        </p:nvPicPr>
+        <p:blipFill>
+          <a:blip r:embed="rId2"/>
+          <a:stretch>
+            <a:fillRect/>
+          </a:stretch>
+        </p:blipFill>
+        <p:spPr>
+          <a:xfrm>
+            <a:off x="1380467" y="609206"/>
+            <a:ext cx="9431066" cy="5639587"/>
+          </a:xfrm>
+          <a:prstGeom prst="rect">
+            <a:avLst/>
+          </a:prstGeom>
+        </p:spPr>
+      </p:pic>
+    </p:spTree>
+    <p:extLst>
+      <p:ext uri="{BB962C8B-B14F-4D97-AF65-F5344CB8AC3E}">
+        <p14:creationId xmlns:p14="http://schemas.microsoft.com/office/powerpoint/2010/main" val="1831579724"/>
+      </p:ext>
+    </p:extLst>
+  </p:cSld>
+  <p:clrMapOvr>
+    <a:masterClrMapping/>
+  </p:clrMapOvr>
+</p:sld>
+</file>
+
+<file path=ppt/slides/slide11.xml><?xml version="1.0" encoding="utf-8"?>
+<p:sld xmlns:a="http://schemas.openxmlformats.org/drawingml/2006/main" xmlns:r="http://schemas.openxmlformats.org/officeDocument/2006/relationships" xmlns:p="http://schemas.openxmlformats.org/presentationml/2006/main">
+  <p:cSld>
+    <p:spTree>
+      <p:nvGrpSpPr>
+        <p:cNvPr id="1" name=""/>
+        <p:cNvGrpSpPr/>
+        <p:nvPr/>
+      </p:nvGrpSpPr>
+      <p:grpSpPr>
+        <a:xfrm>
+          <a:off x="0" y="0"/>
+          <a:ext cx="0" cy="0"/>
+          <a:chOff x="0" y="0"/>
+          <a:chExt cx="0" cy="0"/>
+        </a:xfrm>
+      </p:grpSpPr>
+      <p:sp>
+        <p:nvSpPr>
+          <p:cNvPr id="2" name="Title 1">
+            <a:extLst>
+              <a:ext uri="{FF2B5EF4-FFF2-40B4-BE49-F238E27FC236}">
+                <a16:creationId xmlns:a16="http://schemas.microsoft.com/office/drawing/2014/main" id="{F8E91008-10BF-44AE-A437-F19FDBEC3A23}"/>
+              </a:ext>
+            </a:extLst>
+          </p:cNvPr>
+          <p:cNvSpPr>
+            <a:spLocks noGrp="1"/>
+          </p:cNvSpPr>
+          <p:nvPr>
+            <p:ph type="title"/>
+          </p:nvPr>
+        </p:nvSpPr>
+        <p:spPr/>
+        <p:txBody>
+          <a:bodyPr/>
+          <a:lstStyle/>
+          <a:p>
+            <a:r>
+              <a:rPr lang="en-US" dirty="0"/>
+              <a:t>Storage progress</a:t>
+            </a:r>
+          </a:p>
+        </p:txBody>
+      </p:sp>
+      <p:sp>
+        <p:nvSpPr>
+          <p:cNvPr id="3" name="Text Placeholder 2">
+            <a:extLst>
+              <a:ext uri="{FF2B5EF4-FFF2-40B4-BE49-F238E27FC236}">
+                <a16:creationId xmlns:a16="http://schemas.microsoft.com/office/drawing/2014/main" id="{E1D8523B-0145-462D-968B-A9A69156C42F}"/>
+              </a:ext>
+            </a:extLst>
+          </p:cNvPr>
+          <p:cNvSpPr>
+            <a:spLocks noGrp="1"/>
+          </p:cNvSpPr>
+          <p:nvPr>
+            <p:ph type="body" idx="1"/>
+          </p:nvPr>
+        </p:nvSpPr>
+        <p:spPr/>
+        <p:txBody>
+          <a:bodyPr/>
+          <a:lstStyle/>
+          <a:p>
+            <a:r>
+              <a:rPr lang="en-US" dirty="0"/>
+              <a:t>Goals </a:t>
+            </a:r>
+          </a:p>
+        </p:txBody>
+      </p:sp>
+      <p:sp>
+        <p:nvSpPr>
+          <p:cNvPr id="4" name="Content Placeholder 3">
+            <a:extLst>
+              <a:ext uri="{FF2B5EF4-FFF2-40B4-BE49-F238E27FC236}">
+                <a16:creationId xmlns:a16="http://schemas.microsoft.com/office/drawing/2014/main" id="{A21097C6-9A58-43E6-950A-1AD44F367B92}"/>
+              </a:ext>
+            </a:extLst>
+          </p:cNvPr>
+          <p:cNvSpPr>
+            <a:spLocks noGrp="1"/>
+          </p:cNvSpPr>
+          <p:nvPr>
+            <p:ph sz="half" idx="2"/>
+          </p:nvPr>
+        </p:nvSpPr>
+        <p:spPr/>
+        <p:txBody>
+          <a:bodyPr/>
+          <a:lstStyle/>
+          <a:p>
+            <a:r>
+              <a:rPr lang="en-US" dirty="0"/>
+              <a:t>Store all relevant information for inventory items </a:t>
+            </a:r>
+          </a:p>
+          <a:p>
+            <a:r>
+              <a:rPr lang="en-US" dirty="0"/>
+              <a:t>All for easy access and manipulation of stored items</a:t>
+            </a:r>
+          </a:p>
+          <a:p>
+            <a:endParaRPr lang="en-US" dirty="0"/>
+          </a:p>
+        </p:txBody>
+      </p:sp>
+      <p:sp>
+        <p:nvSpPr>
+          <p:cNvPr id="5" name="Text Placeholder 4">
+            <a:extLst>
+              <a:ext uri="{FF2B5EF4-FFF2-40B4-BE49-F238E27FC236}">
+                <a16:creationId xmlns:a16="http://schemas.microsoft.com/office/drawing/2014/main" id="{E52A98F1-C3F3-415B-9D4D-5420D2C234E6}"/>
+              </a:ext>
+            </a:extLst>
+          </p:cNvPr>
+          <p:cNvSpPr>
+            <a:spLocks noGrp="1"/>
+          </p:cNvSpPr>
+          <p:nvPr>
+            <p:ph type="body" sz="quarter" idx="3"/>
+          </p:nvPr>
+        </p:nvSpPr>
+        <p:spPr/>
+        <p:txBody>
+          <a:bodyPr/>
+          <a:lstStyle/>
+          <a:p>
+            <a:r>
+              <a:rPr lang="en-US" dirty="0"/>
+              <a:t>Current status </a:t>
+            </a:r>
+          </a:p>
+        </p:txBody>
+      </p:sp>
+      <p:sp>
+        <p:nvSpPr>
+          <p:cNvPr id="6" name="Content Placeholder 5">
+            <a:extLst>
+              <a:ext uri="{FF2B5EF4-FFF2-40B4-BE49-F238E27FC236}">
+                <a16:creationId xmlns:a16="http://schemas.microsoft.com/office/drawing/2014/main" id="{563A531E-B1C8-4877-A14C-DDF98DF32787}"/>
+              </a:ext>
+            </a:extLst>
+          </p:cNvPr>
+          <p:cNvSpPr>
+            <a:spLocks noGrp="1"/>
+          </p:cNvSpPr>
+          <p:nvPr>
+            <p:ph sz="quarter" idx="4"/>
+          </p:nvPr>
+        </p:nvSpPr>
+        <p:spPr/>
+        <p:txBody>
+          <a:bodyPr/>
+          <a:lstStyle/>
+          <a:p>
+            <a:r>
+              <a:rPr lang="en-US" dirty="0"/>
+              <a:t>We are using </a:t>
+            </a:r>
+            <a:r>
+              <a:rPr lang="en-US" dirty="0" err="1"/>
+              <a:t>SQLServer</a:t>
+            </a:r>
+            <a:r>
+              <a:rPr lang="en-US" dirty="0"/>
+              <a:t> for storage</a:t>
+            </a:r>
+          </a:p>
+          <a:p>
+            <a:r>
+              <a:rPr lang="en-US" dirty="0"/>
+              <a:t>Tables and server are set up </a:t>
+            </a:r>
+          </a:p>
+          <a:p>
+            <a:r>
+              <a:rPr lang="en-US" dirty="0"/>
+              <a:t>Backend programming to connect to DB still need to be finalized. </a:t>
+            </a:r>
+          </a:p>
+        </p:txBody>
+      </p:sp>
+    </p:spTree>
+    <p:extLst>
+      <p:ext uri="{BB962C8B-B14F-4D97-AF65-F5344CB8AC3E}">
+        <p14:creationId xmlns:p14="http://schemas.microsoft.com/office/powerpoint/2010/main" val="505615542"/>
+      </p:ext>
+    </p:extLst>
+  </p:cSld>
+  <p:clrMapOvr>
+    <a:masterClrMapping/>
+  </p:clrMapOvr>
+</p:sld>
+</file>
+
+<file path=ppt/slides/slide12.xml><?xml version="1.0" encoding="utf-8"?>
+<p:sld xmlns:a="http://schemas.openxmlformats.org/drawingml/2006/main" xmlns:r="http://schemas.openxmlformats.org/officeDocument/2006/relationships" xmlns:p="http://schemas.openxmlformats.org/presentationml/2006/main">
+  <p:cSld>
+    <p:spTree>
+      <p:nvGrpSpPr>
+        <p:cNvPr id="1" name=""/>
+        <p:cNvGrpSpPr/>
+        <p:nvPr/>
+      </p:nvGrpSpPr>
+      <p:grpSpPr>
+        <a:xfrm>
+          <a:off x="0" y="0"/>
+          <a:ext cx="0" cy="0"/>
+          <a:chOff x="0" y="0"/>
+          <a:chExt cx="0" cy="0"/>
+        </a:xfrm>
+      </p:grpSpPr>
+      <p:sp>
+        <p:nvSpPr>
+          <p:cNvPr id="2" name="Title 1">
+            <a:extLst>
+              <a:ext uri="{FF2B5EF4-FFF2-40B4-BE49-F238E27FC236}">
+                <a16:creationId xmlns:a16="http://schemas.microsoft.com/office/drawing/2014/main" id="{F716DD9B-F7D2-4287-98AE-F7F86AE565D6}"/>
+              </a:ext>
+            </a:extLst>
+          </p:cNvPr>
+          <p:cNvSpPr>
+            <a:spLocks noGrp="1"/>
+          </p:cNvSpPr>
+          <p:nvPr>
+            <p:ph type="title"/>
+          </p:nvPr>
+        </p:nvSpPr>
+        <p:spPr/>
+        <p:txBody>
+          <a:bodyPr/>
+          <a:lstStyle/>
+          <a:p>
+            <a:r>
+              <a:rPr lang="en-US" dirty="0"/>
+              <a:t>Scanner Progress</a:t>
+            </a:r>
+          </a:p>
+        </p:txBody>
+      </p:sp>
+      <p:sp>
+        <p:nvSpPr>
+          <p:cNvPr id="3" name="Text Placeholder 2">
+            <a:extLst>
+              <a:ext uri="{FF2B5EF4-FFF2-40B4-BE49-F238E27FC236}">
+                <a16:creationId xmlns:a16="http://schemas.microsoft.com/office/drawing/2014/main" id="{DC61E3B9-0220-4689-B1A3-FBD7648DF8BE}"/>
+              </a:ext>
+            </a:extLst>
+          </p:cNvPr>
+          <p:cNvSpPr>
+            <a:spLocks noGrp="1"/>
+          </p:cNvSpPr>
+          <p:nvPr>
+            <p:ph type="body" idx="1"/>
+          </p:nvPr>
+        </p:nvSpPr>
+        <p:spPr/>
+        <p:txBody>
+          <a:bodyPr/>
+          <a:lstStyle/>
+          <a:p>
+            <a:r>
+              <a:rPr lang="en-US" dirty="0"/>
+              <a:t>Goals</a:t>
+            </a:r>
+          </a:p>
+        </p:txBody>
+      </p:sp>
+      <p:sp>
+        <p:nvSpPr>
+          <p:cNvPr id="4" name="Content Placeholder 3">
+            <a:extLst>
+              <a:ext uri="{FF2B5EF4-FFF2-40B4-BE49-F238E27FC236}">
+                <a16:creationId xmlns:a16="http://schemas.microsoft.com/office/drawing/2014/main" id="{113B233D-CB85-4464-8C8E-378BF3781D3C}"/>
+              </a:ext>
+            </a:extLst>
+          </p:cNvPr>
+          <p:cNvSpPr>
+            <a:spLocks noGrp="1"/>
+          </p:cNvSpPr>
+          <p:nvPr>
+            <p:ph sz="half" idx="2"/>
+          </p:nvPr>
+        </p:nvSpPr>
+        <p:spPr/>
+        <p:txBody>
+          <a:bodyPr/>
+          <a:lstStyle/>
+          <a:p>
+            <a:r>
+              <a:rPr lang="en-US" dirty="0"/>
+              <a:t>Scanning the barcodes found on department inventory from a phone camera </a:t>
+            </a:r>
+          </a:p>
+          <a:p>
+            <a:r>
+              <a:rPr lang="en-US" dirty="0"/>
+              <a:t>Secondary goal: scanning barcodes from a PC</a:t>
+            </a:r>
+          </a:p>
+        </p:txBody>
+      </p:sp>
+      <p:sp>
+        <p:nvSpPr>
+          <p:cNvPr id="5" name="Text Placeholder 4">
+            <a:extLst>
+              <a:ext uri="{FF2B5EF4-FFF2-40B4-BE49-F238E27FC236}">
+                <a16:creationId xmlns:a16="http://schemas.microsoft.com/office/drawing/2014/main" id="{62BF2970-E608-4186-97CC-9D9ED5F69208}"/>
+              </a:ext>
+            </a:extLst>
+          </p:cNvPr>
+          <p:cNvSpPr>
+            <a:spLocks noGrp="1"/>
+          </p:cNvSpPr>
+          <p:nvPr>
+            <p:ph type="body" sz="quarter" idx="3"/>
+          </p:nvPr>
+        </p:nvSpPr>
+        <p:spPr/>
+        <p:txBody>
+          <a:bodyPr/>
+          <a:lstStyle/>
+          <a:p>
+            <a:r>
+              <a:rPr lang="en-US" dirty="0"/>
+              <a:t>Current progress</a:t>
+            </a:r>
+          </a:p>
+        </p:txBody>
+      </p:sp>
+      <p:sp>
+        <p:nvSpPr>
+          <p:cNvPr id="6" name="Content Placeholder 5">
+            <a:extLst>
+              <a:ext uri="{FF2B5EF4-FFF2-40B4-BE49-F238E27FC236}">
+                <a16:creationId xmlns:a16="http://schemas.microsoft.com/office/drawing/2014/main" id="{7B0DA6A4-7943-48B5-8D83-2D2FB062D6E9}"/>
+              </a:ext>
+            </a:extLst>
+          </p:cNvPr>
+          <p:cNvSpPr>
+            <a:spLocks noGrp="1"/>
+          </p:cNvSpPr>
+          <p:nvPr>
+            <p:ph sz="quarter" idx="4"/>
+          </p:nvPr>
+        </p:nvSpPr>
+        <p:spPr/>
+        <p:txBody>
+          <a:bodyPr/>
+          <a:lstStyle/>
+          <a:p>
+            <a:r>
+              <a:rPr lang="en-US" dirty="0"/>
+              <a:t>Using Free </a:t>
+            </a:r>
+            <a:r>
+              <a:rPr lang="en-US" dirty="0" err="1"/>
+              <a:t>Spire.Barcode</a:t>
+            </a:r>
+            <a:r>
+              <a:rPr lang="en-US" dirty="0"/>
+              <a:t> API to scan in barcodes from .</a:t>
+            </a:r>
+            <a:r>
+              <a:rPr lang="en-US" dirty="0" err="1"/>
+              <a:t>png</a:t>
+            </a:r>
+            <a:r>
+              <a:rPr lang="en-US" dirty="0"/>
+              <a:t>. Will be getting live scans up next. </a:t>
+            </a:r>
+          </a:p>
+          <a:p>
+            <a:r>
+              <a:rPr lang="en-US" dirty="0">
+                <a:hlinkClick r:id="rId2"/>
+              </a:rPr>
+              <a:t>https://www.e-iceblue.com/Introduce/barcode-for-net-introduce.html#.Wpb68UxFzt6</a:t>
+            </a:r>
+            <a:endParaRPr lang="en-US" dirty="0"/>
+          </a:p>
+          <a:p>
+            <a:endParaRPr lang="en-US" dirty="0"/>
+          </a:p>
+        </p:txBody>
+      </p:sp>
+    </p:spTree>
+    <p:extLst>
+      <p:ext uri="{BB962C8B-B14F-4D97-AF65-F5344CB8AC3E}">
+        <p14:creationId xmlns:p14="http://schemas.microsoft.com/office/powerpoint/2010/main" val="4020540796"/>
+      </p:ext>
+    </p:extLst>
+  </p:cSld>
+  <p:clrMapOvr>
+    <a:masterClrMapping/>
+  </p:clrMapOvr>
+</p:sld>
+</file>
+
 <file path=ppt/slides/slide2.xml><?xml version="1.0" encoding="utf-8"?>
 <p:sld xmlns:a="http://schemas.openxmlformats.org/drawingml/2006/main" xmlns:r="http://schemas.openxmlformats.org/officeDocument/2006/relationships" xmlns:p="http://schemas.openxmlformats.org/presentationml/2006/main">
   <p:cSld>
@@ -6443,6 +6909,66 @@
 </file>
 
 <file path=ppt/slides/slide5.xml><?xml version="1.0" encoding="utf-8"?>
+<p:sld xmlns:a="http://schemas.openxmlformats.org/drawingml/2006/main" xmlns:r="http://schemas.openxmlformats.org/officeDocument/2006/relationships" xmlns:p="http://schemas.openxmlformats.org/presentationml/2006/main">
+  <p:cSld>
+    <p:spTree>
+      <p:nvGrpSpPr>
+        <p:cNvPr id="1" name=""/>
+        <p:cNvGrpSpPr/>
+        <p:nvPr/>
+      </p:nvGrpSpPr>
+      <p:grpSpPr>
+        <a:xfrm>
+          <a:off x="0" y="0"/>
+          <a:ext cx="0" cy="0"/>
+          <a:chOff x="0" y="0"/>
+          <a:chExt cx="0" cy="0"/>
+        </a:xfrm>
+      </p:grpSpPr>
+      <p:pic>
+        <p:nvPicPr>
+          <p:cNvPr id="3" name="Picture 2">
+            <a:extLst>
+              <a:ext uri="{FF2B5EF4-FFF2-40B4-BE49-F238E27FC236}">
+                <a16:creationId xmlns:a16="http://schemas.microsoft.com/office/drawing/2014/main" id="{3E8502E8-8EBC-4703-A6E2-EA5A3BD37F0E}"/>
+              </a:ext>
+            </a:extLst>
+          </p:cNvPr>
+          <p:cNvPicPr>
+            <a:picLocks noChangeAspect="1"/>
+          </p:cNvPicPr>
+          <p:nvPr/>
+        </p:nvPicPr>
+        <p:blipFill>
+          <a:blip r:embed="rId2"/>
+          <a:stretch>
+            <a:fillRect/>
+          </a:stretch>
+        </p:blipFill>
+        <p:spPr>
+          <a:xfrm>
+            <a:off x="1423335" y="1466576"/>
+            <a:ext cx="9345329" cy="3924848"/>
+          </a:xfrm>
+          <a:prstGeom prst="rect">
+            <a:avLst/>
+          </a:prstGeom>
+        </p:spPr>
+      </p:pic>
+    </p:spTree>
+    <p:extLst>
+      <p:ext uri="{BB962C8B-B14F-4D97-AF65-F5344CB8AC3E}">
+        <p14:creationId xmlns:p14="http://schemas.microsoft.com/office/powerpoint/2010/main" val="756737533"/>
+      </p:ext>
+    </p:extLst>
+  </p:cSld>
+  <p:clrMapOvr>
+    <a:masterClrMapping/>
+  </p:clrMapOvr>
+</p:sld>
+</file>
+
+<file path=ppt/slides/slide6.xml><?xml version="1.0" encoding="utf-8"?>
 <p:sld xmlns:a="http://schemas.openxmlformats.org/drawingml/2006/main" xmlns:r="http://schemas.openxmlformats.org/officeDocument/2006/relationships" xmlns:p="http://schemas.openxmlformats.org/presentationml/2006/main">
   <p:cSld>
     <p:spTree>
@@ -6502,7 +7028,7 @@
 </p:sld>
 </file>
 
-<file path=ppt/slides/slide6.xml><?xml version="1.0" encoding="utf-8"?>
+<file path=ppt/slides/slide7.xml><?xml version="1.0" encoding="utf-8"?>
 <p:sld xmlns:a="http://schemas.openxmlformats.org/drawingml/2006/main" xmlns:r="http://schemas.openxmlformats.org/officeDocument/2006/relationships" xmlns:p="http://schemas.openxmlformats.org/presentationml/2006/main">
   <p:cSld>
     <p:spTree>
@@ -6521,10 +7047,10 @@
       </p:grpSpPr>
       <p:pic>
         <p:nvPicPr>
-          <p:cNvPr id="3" name="Picture 2">
+          <p:cNvPr id="3" name="Picture 2" descr="A screenshot of a cell phone&#10;&#10;Description generated with very high confidence">
             <a:extLst>
               <a:ext uri="{FF2B5EF4-FFF2-40B4-BE49-F238E27FC236}">
-                <a16:creationId xmlns:a16="http://schemas.microsoft.com/office/drawing/2014/main" id="{3E8502E8-8EBC-4703-A6E2-EA5A3BD37F0E}"/>
+                <a16:creationId xmlns:a16="http://schemas.microsoft.com/office/drawing/2014/main" id="{20DE1A84-34C3-4E92-B3B6-46A83577031F}"/>
               </a:ext>
             </a:extLst>
           </p:cNvPr>
@@ -6541,44 +7067,14 @@
         </p:blipFill>
         <p:spPr>
           <a:xfrm>
-            <a:off x="1423335" y="1466576"/>
-            <a:ext cx="9345329" cy="3924848"/>
+            <a:off x="1492445" y="1014285"/>
+            <a:ext cx="9207109" cy="4829430"/>
           </a:xfrm>
           <a:prstGeom prst="rect">
             <a:avLst/>
           </a:prstGeom>
         </p:spPr>
       </p:pic>
-    </p:spTree>
-    <p:extLst>
-      <p:ext uri="{BB962C8B-B14F-4D97-AF65-F5344CB8AC3E}">
-        <p14:creationId xmlns:p14="http://schemas.microsoft.com/office/powerpoint/2010/main" val="756737533"/>
-      </p:ext>
-    </p:extLst>
-  </p:cSld>
-  <p:clrMapOvr>
-    <a:masterClrMapping/>
-  </p:clrMapOvr>
-</p:sld>
-</file>
-
-<file path=ppt/slides/slide7.xml><?xml version="1.0" encoding="utf-8"?>
-<p:sld xmlns:a="http://schemas.openxmlformats.org/drawingml/2006/main" xmlns:r="http://schemas.openxmlformats.org/officeDocument/2006/relationships" xmlns:p="http://schemas.openxmlformats.org/presentationml/2006/main">
-  <p:cSld>
-    <p:spTree>
-      <p:nvGrpSpPr>
-        <p:cNvPr id="1" name=""/>
-        <p:cNvGrpSpPr/>
-        <p:nvPr/>
-      </p:nvGrpSpPr>
-      <p:grpSpPr>
-        <a:xfrm>
-          <a:off x="0" y="0"/>
-          <a:ext cx="0" cy="0"/>
-          <a:chOff x="0" y="0"/>
-          <a:chExt cx="0" cy="0"/>
-        </a:xfrm>
-      </p:grpSpPr>
     </p:spTree>
     <p:extLst>
       <p:ext uri="{BB962C8B-B14F-4D97-AF65-F5344CB8AC3E}">
@@ -6609,179 +7105,40 @@
           <a:chExt cx="0" cy="0"/>
         </a:xfrm>
       </p:grpSpPr>
-      <p:sp>
-        <p:nvSpPr>
-          <p:cNvPr id="2" name="Title 1">
+      <p:pic>
+        <p:nvPicPr>
+          <p:cNvPr id="3" name="Picture 2" descr="A screenshot of a cell phone&#10;&#10;Description generated with very high confidence">
             <a:extLst>
               <a:ext uri="{FF2B5EF4-FFF2-40B4-BE49-F238E27FC236}">
-                <a16:creationId xmlns:a16="http://schemas.microsoft.com/office/drawing/2014/main" id="{F8E91008-10BF-44AE-A437-F19FDBEC3A23}"/>
+                <a16:creationId xmlns:a16="http://schemas.microsoft.com/office/drawing/2014/main" id="{92C202E7-8607-4D8C-AD61-219BA88A9074}"/>
               </a:ext>
             </a:extLst>
           </p:cNvPr>
-          <p:cNvSpPr>
-            <a:spLocks noGrp="1"/>
-          </p:cNvSpPr>
-          <p:nvPr>
-            <p:ph type="title"/>
-          </p:nvPr>
-        </p:nvSpPr>
-        <p:spPr/>
-        <p:txBody>
-          <a:bodyPr/>
-          <a:lstStyle/>
-          <a:p>
-            <a:r>
-              <a:rPr lang="en-US" dirty="0"/>
-              <a:t>Storage progress</a:t>
-            </a:r>
-          </a:p>
-        </p:txBody>
-      </p:sp>
-      <p:sp>
-        <p:nvSpPr>
-          <p:cNvPr id="3" name="Text Placeholder 2">
-            <a:extLst>
-              <a:ext uri="{FF2B5EF4-FFF2-40B4-BE49-F238E27FC236}">
-                <a16:creationId xmlns:a16="http://schemas.microsoft.com/office/drawing/2014/main" id="{E1D8523B-0145-462D-968B-A9A69156C42F}"/>
-              </a:ext>
-            </a:extLst>
-          </p:cNvPr>
-          <p:cNvSpPr>
-            <a:spLocks noGrp="1"/>
-          </p:cNvSpPr>
-          <p:nvPr>
-            <p:ph type="body" idx="1"/>
-          </p:nvPr>
-        </p:nvSpPr>
-        <p:spPr/>
-        <p:txBody>
-          <a:bodyPr/>
-          <a:lstStyle/>
-          <a:p>
-            <a:r>
-              <a:rPr lang="en-US" dirty="0"/>
-              <a:t>Goals </a:t>
-            </a:r>
-          </a:p>
-        </p:txBody>
-      </p:sp>
-      <p:sp>
-        <p:nvSpPr>
-          <p:cNvPr id="4" name="Content Placeholder 3">
-            <a:extLst>
-              <a:ext uri="{FF2B5EF4-FFF2-40B4-BE49-F238E27FC236}">
-                <a16:creationId xmlns:a16="http://schemas.microsoft.com/office/drawing/2014/main" id="{A21097C6-9A58-43E6-950A-1AD44F367B92}"/>
-              </a:ext>
-            </a:extLst>
-          </p:cNvPr>
-          <p:cNvSpPr>
-            <a:spLocks noGrp="1"/>
-          </p:cNvSpPr>
-          <p:nvPr>
-            <p:ph sz="half" idx="2"/>
-          </p:nvPr>
-        </p:nvSpPr>
-        <p:spPr/>
-        <p:txBody>
-          <a:bodyPr/>
-          <a:lstStyle/>
-          <a:p>
-            <a:r>
-              <a:rPr lang="en-US" dirty="0"/>
-              <a:t>Store all relevant information for inventory items </a:t>
-            </a:r>
-          </a:p>
-          <a:p>
-            <a:r>
-              <a:rPr lang="en-US" dirty="0"/>
-              <a:t>All for easy access and manipulation of stored items</a:t>
-            </a:r>
-          </a:p>
-          <a:p>
-            <a:endParaRPr lang="en-US" dirty="0"/>
-          </a:p>
-        </p:txBody>
-      </p:sp>
-      <p:sp>
-        <p:nvSpPr>
-          <p:cNvPr id="5" name="Text Placeholder 4">
-            <a:extLst>
-              <a:ext uri="{FF2B5EF4-FFF2-40B4-BE49-F238E27FC236}">
-                <a16:creationId xmlns:a16="http://schemas.microsoft.com/office/drawing/2014/main" id="{E52A98F1-C3F3-415B-9D4D-5420D2C234E6}"/>
-              </a:ext>
-            </a:extLst>
-          </p:cNvPr>
-          <p:cNvSpPr>
-            <a:spLocks noGrp="1"/>
-          </p:cNvSpPr>
-          <p:nvPr>
-            <p:ph type="body" sz="quarter" idx="3"/>
-          </p:nvPr>
-        </p:nvSpPr>
-        <p:spPr/>
-        <p:txBody>
-          <a:bodyPr/>
-          <a:lstStyle/>
-          <a:p>
-            <a:r>
-              <a:rPr lang="en-US" dirty="0"/>
-              <a:t>Current status </a:t>
-            </a:r>
-          </a:p>
-        </p:txBody>
-      </p:sp>
-      <p:sp>
-        <p:nvSpPr>
-          <p:cNvPr id="6" name="Content Placeholder 5">
-            <a:extLst>
-              <a:ext uri="{FF2B5EF4-FFF2-40B4-BE49-F238E27FC236}">
-                <a16:creationId xmlns:a16="http://schemas.microsoft.com/office/drawing/2014/main" id="{563A531E-B1C8-4877-A14C-DDF98DF32787}"/>
-              </a:ext>
-            </a:extLst>
-          </p:cNvPr>
-          <p:cNvSpPr>
-            <a:spLocks noGrp="1"/>
-          </p:cNvSpPr>
-          <p:nvPr>
-            <p:ph sz="quarter" idx="4"/>
-          </p:nvPr>
-        </p:nvSpPr>
-        <p:spPr/>
-        <p:txBody>
-          <a:bodyPr/>
-          <a:lstStyle/>
-          <a:p>
-            <a:r>
-              <a:rPr lang="en-US" dirty="0"/>
-              <a:t>We are using </a:t>
-            </a:r>
-            <a:r>
-              <a:rPr lang="en-US" dirty="0" err="1"/>
-              <a:t>SQLServer</a:t>
-            </a:r>
-            <a:r>
-              <a:rPr lang="en-US" dirty="0"/>
-              <a:t> for storage</a:t>
-            </a:r>
-          </a:p>
-          <a:p>
-            <a:r>
-              <a:rPr lang="en-US" dirty="0"/>
-              <a:t>Tables and server are set up </a:t>
-            </a:r>
-          </a:p>
-          <a:p>
-            <a:r>
-              <a:rPr lang="en-US" dirty="0"/>
-              <a:t>Backend programming to connect to DB still need to be finalized. </a:t>
-            </a:r>
-          </a:p>
-        </p:txBody>
-      </p:sp>
+          <p:cNvPicPr>
+            <a:picLocks noChangeAspect="1"/>
+          </p:cNvPicPr>
+          <p:nvPr/>
+        </p:nvPicPr>
+        <p:blipFill>
+          <a:blip r:embed="rId2"/>
+          <a:stretch>
+            <a:fillRect/>
+          </a:stretch>
+        </p:blipFill>
+        <p:spPr>
+          <a:xfrm>
+            <a:off x="1564745" y="1591415"/>
+            <a:ext cx="9062509" cy="3675169"/>
+          </a:xfrm>
+          <a:prstGeom prst="rect">
+            <a:avLst/>
+          </a:prstGeom>
+        </p:spPr>
+      </p:pic>
     </p:spTree>
     <p:extLst>
       <p:ext uri="{BB962C8B-B14F-4D97-AF65-F5344CB8AC3E}">
-        <p14:creationId xmlns:p14="http://schemas.microsoft.com/office/powerpoint/2010/main" val="505615542"/>
+        <p14:creationId xmlns:p14="http://schemas.microsoft.com/office/powerpoint/2010/main" val="3467644512"/>
       </p:ext>
     </p:extLst>
   </p:cSld>
@@ -6808,172 +7165,40 @@
           <a:chExt cx="0" cy="0"/>
         </a:xfrm>
       </p:grpSpPr>
-      <p:sp>
-        <p:nvSpPr>
-          <p:cNvPr id="2" name="Title 1">
+      <p:pic>
+        <p:nvPicPr>
+          <p:cNvPr id="3" name="Picture 2" descr="A screenshot of a social media post&#10;&#10;Description generated with very high confidence">
             <a:extLst>
               <a:ext uri="{FF2B5EF4-FFF2-40B4-BE49-F238E27FC236}">
-                <a16:creationId xmlns:a16="http://schemas.microsoft.com/office/drawing/2014/main" id="{F716DD9B-F7D2-4287-98AE-F7F86AE565D6}"/>
+                <a16:creationId xmlns:a16="http://schemas.microsoft.com/office/drawing/2014/main" id="{1B63A0D7-8725-4874-A5CF-C0114290CF87}"/>
               </a:ext>
             </a:extLst>
           </p:cNvPr>
-          <p:cNvSpPr>
-            <a:spLocks noGrp="1"/>
-          </p:cNvSpPr>
-          <p:nvPr>
-            <p:ph type="title"/>
-          </p:nvPr>
-        </p:nvSpPr>
-        <p:spPr/>
-        <p:txBody>
-          <a:bodyPr/>
-          <a:lstStyle/>
-          <a:p>
-            <a:r>
-              <a:rPr lang="en-US" dirty="0"/>
-              <a:t>Scanner Progress</a:t>
-            </a:r>
-          </a:p>
-        </p:txBody>
-      </p:sp>
-      <p:sp>
-        <p:nvSpPr>
-          <p:cNvPr id="3" name="Text Placeholder 2">
-            <a:extLst>
-              <a:ext uri="{FF2B5EF4-FFF2-40B4-BE49-F238E27FC236}">
-                <a16:creationId xmlns:a16="http://schemas.microsoft.com/office/drawing/2014/main" id="{DC61E3B9-0220-4689-B1A3-FBD7648DF8BE}"/>
-              </a:ext>
-            </a:extLst>
-          </p:cNvPr>
-          <p:cNvSpPr>
-            <a:spLocks noGrp="1"/>
-          </p:cNvSpPr>
-          <p:nvPr>
-            <p:ph type="body" idx="1"/>
-          </p:nvPr>
-        </p:nvSpPr>
-        <p:spPr/>
-        <p:txBody>
-          <a:bodyPr/>
-          <a:lstStyle/>
-          <a:p>
-            <a:r>
-              <a:rPr lang="en-US" dirty="0"/>
-              <a:t>Goals</a:t>
-            </a:r>
-          </a:p>
-        </p:txBody>
-      </p:sp>
-      <p:sp>
-        <p:nvSpPr>
-          <p:cNvPr id="4" name="Content Placeholder 3">
-            <a:extLst>
-              <a:ext uri="{FF2B5EF4-FFF2-40B4-BE49-F238E27FC236}">
-                <a16:creationId xmlns:a16="http://schemas.microsoft.com/office/drawing/2014/main" id="{113B233D-CB85-4464-8C8E-378BF3781D3C}"/>
-              </a:ext>
-            </a:extLst>
-          </p:cNvPr>
-          <p:cNvSpPr>
-            <a:spLocks noGrp="1"/>
-          </p:cNvSpPr>
-          <p:nvPr>
-            <p:ph sz="half" idx="2"/>
-          </p:nvPr>
-        </p:nvSpPr>
-        <p:spPr/>
-        <p:txBody>
-          <a:bodyPr/>
-          <a:lstStyle/>
-          <a:p>
-            <a:r>
-              <a:rPr lang="en-US" dirty="0"/>
-              <a:t>Scanning the barcodes found on department inventory from a phone camera </a:t>
-            </a:r>
-          </a:p>
-          <a:p>
-            <a:r>
-              <a:rPr lang="en-US" dirty="0"/>
-              <a:t>Secondary goal: scanning barcodes from a PC</a:t>
-            </a:r>
-          </a:p>
-        </p:txBody>
-      </p:sp>
-      <p:sp>
-        <p:nvSpPr>
-          <p:cNvPr id="5" name="Text Placeholder 4">
-            <a:extLst>
-              <a:ext uri="{FF2B5EF4-FFF2-40B4-BE49-F238E27FC236}">
-                <a16:creationId xmlns:a16="http://schemas.microsoft.com/office/drawing/2014/main" id="{62BF2970-E608-4186-97CC-9D9ED5F69208}"/>
-              </a:ext>
-            </a:extLst>
-          </p:cNvPr>
-          <p:cNvSpPr>
-            <a:spLocks noGrp="1"/>
-          </p:cNvSpPr>
-          <p:nvPr>
-            <p:ph type="body" sz="quarter" idx="3"/>
-          </p:nvPr>
-        </p:nvSpPr>
-        <p:spPr/>
-        <p:txBody>
-          <a:bodyPr/>
-          <a:lstStyle/>
-          <a:p>
-            <a:r>
-              <a:rPr lang="en-US" dirty="0"/>
-              <a:t>Current progress</a:t>
-            </a:r>
-          </a:p>
-        </p:txBody>
-      </p:sp>
-      <p:sp>
-        <p:nvSpPr>
-          <p:cNvPr id="6" name="Content Placeholder 5">
-            <a:extLst>
-              <a:ext uri="{FF2B5EF4-FFF2-40B4-BE49-F238E27FC236}">
-                <a16:creationId xmlns:a16="http://schemas.microsoft.com/office/drawing/2014/main" id="{7B0DA6A4-7943-48B5-8D83-2D2FB062D6E9}"/>
-              </a:ext>
-            </a:extLst>
-          </p:cNvPr>
-          <p:cNvSpPr>
-            <a:spLocks noGrp="1"/>
-          </p:cNvSpPr>
-          <p:nvPr>
-            <p:ph sz="quarter" idx="4"/>
-          </p:nvPr>
-        </p:nvSpPr>
-        <p:spPr/>
-        <p:txBody>
-          <a:bodyPr/>
-          <a:lstStyle/>
-          <a:p>
-            <a:r>
-              <a:rPr lang="en-US" dirty="0"/>
-              <a:t>Using </a:t>
-            </a:r>
-            <a:r>
-              <a:rPr lang="en-US" dirty="0" err="1"/>
-              <a:t>FreeSpire</a:t>
-            </a:r>
-            <a:r>
-              <a:rPr lang="en-US" dirty="0"/>
-              <a:t> Barcode API to scan in barcodes from .</a:t>
-            </a:r>
-            <a:r>
-              <a:rPr lang="en-US" dirty="0" err="1"/>
-              <a:t>png</a:t>
-            </a:r>
-            <a:r>
-              <a:rPr lang="en-US" dirty="0"/>
-              <a:t>. Will be getting live scans up next. </a:t>
-            </a:r>
-          </a:p>
-        </p:txBody>
-      </p:sp>
+          <p:cNvPicPr>
+            <a:picLocks noChangeAspect="1"/>
+          </p:cNvPicPr>
+          <p:nvPr/>
+        </p:nvPicPr>
+        <p:blipFill>
+          <a:blip r:embed="rId2"/>
+          <a:stretch>
+            <a:fillRect/>
+          </a:stretch>
+        </p:blipFill>
+        <p:spPr>
+          <a:xfrm>
+            <a:off x="2175915" y="1428471"/>
+            <a:ext cx="7840169" cy="4001058"/>
+          </a:xfrm>
+          <a:prstGeom prst="rect">
+            <a:avLst/>
+          </a:prstGeom>
+        </p:spPr>
+      </p:pic>
     </p:spTree>
     <p:extLst>
       <p:ext uri="{BB962C8B-B14F-4D97-AF65-F5344CB8AC3E}">
-        <p14:creationId xmlns:p14="http://schemas.microsoft.com/office/powerpoint/2010/main" val="4020540796"/>
+        <p14:creationId xmlns:p14="http://schemas.microsoft.com/office/powerpoint/2010/main" val="3577572757"/>
       </p:ext>
     </p:extLst>
   </p:cSld>

--- a/Inventory Management System midterm code review.pptx
+++ b/Inventory Management System midterm code review.pptx
@@ -16,7 +16,10 @@
     <p:sldId id="266" r:id="rId10"/>
     <p:sldId id="267" r:id="rId11"/>
     <p:sldId id="259" r:id="rId12"/>
-    <p:sldId id="260" r:id="rId13"/>
+    <p:sldId id="268" r:id="rId13"/>
+    <p:sldId id="269" r:id="rId14"/>
+    <p:sldId id="270" r:id="rId15"/>
+    <p:sldId id="260" r:id="rId16"/>
   </p:sldIdLst>
   <p:sldSz cx="12192000" cy="6858000"/>
   <p:notesSz cx="6858000" cy="9144000"/>
@@ -117,7 +120,7 @@
   </p:defaultTextStyle>
   <p:extLst>
     <p:ext uri="{EFAFB233-063F-42B5-8137-9DF3F51BA10A}">
-      <p15:sldGuideLst xmlns:p15="http://schemas.microsoft.com/office/powerpoint/2012/main"/>
+      <p15:sldGuideLst xmlns:p15="http://schemas.microsoft.com/office/powerpoint/2012/main" xmlns=""/>
     </p:ext>
   </p:extLst>
 </p:presentation>
@@ -6018,7 +6021,7 @@
           <p:cNvPr id="2" name="Title 1">
             <a:extLst>
               <a:ext uri="{FF2B5EF4-FFF2-40B4-BE49-F238E27FC236}">
-                <a16:creationId xmlns:a16="http://schemas.microsoft.com/office/drawing/2014/main" id="{67B1D3CA-FA6B-4943-8080-0A8102E0FE9D}"/>
+                <a16:creationId xmlns:a16="http://schemas.microsoft.com/office/drawing/2014/main" xmlns="" id="{67B1D3CA-FA6B-4943-8080-0A8102E0FE9D}"/>
               </a:ext>
             </a:extLst>
           </p:cNvPr>
@@ -6046,7 +6049,7 @@
           <p:cNvPr id="3" name="Subtitle 2">
             <a:extLst>
               <a:ext uri="{FF2B5EF4-FFF2-40B4-BE49-F238E27FC236}">
-                <a16:creationId xmlns:a16="http://schemas.microsoft.com/office/drawing/2014/main" id="{E7C08A8E-A537-4D33-A7E0-9054031BFBB6}"/>
+                <a16:creationId xmlns:a16="http://schemas.microsoft.com/office/drawing/2014/main" xmlns="" id="{E7C08A8E-A537-4D33-A7E0-9054031BFBB6}"/>
               </a:ext>
             </a:extLst>
           </p:cNvPr>
@@ -6104,7 +6107,7 @@
           <p:cNvPr id="3" name="Picture 2" descr="A screenshot of a cell phone&#10;&#10;Description generated with very high confidence">
             <a:extLst>
               <a:ext uri="{FF2B5EF4-FFF2-40B4-BE49-F238E27FC236}">
-                <a16:creationId xmlns:a16="http://schemas.microsoft.com/office/drawing/2014/main" id="{EC03C0FF-32A8-43B3-BC1D-C427AFE91C0B}"/>
+                <a16:creationId xmlns:a16="http://schemas.microsoft.com/office/drawing/2014/main" xmlns="" id="{EC03C0FF-32A8-43B3-BC1D-C427AFE91C0B}"/>
               </a:ext>
             </a:extLst>
           </p:cNvPr>
@@ -6164,7 +6167,7 @@
           <p:cNvPr id="2" name="Title 1">
             <a:extLst>
               <a:ext uri="{FF2B5EF4-FFF2-40B4-BE49-F238E27FC236}">
-                <a16:creationId xmlns:a16="http://schemas.microsoft.com/office/drawing/2014/main" id="{F8E91008-10BF-44AE-A437-F19FDBEC3A23}"/>
+                <a16:creationId xmlns:a16="http://schemas.microsoft.com/office/drawing/2014/main" xmlns="" id="{F8E91008-10BF-44AE-A437-F19FDBEC3A23}"/>
               </a:ext>
             </a:extLst>
           </p:cNvPr>
@@ -6192,7 +6195,7 @@
           <p:cNvPr id="3" name="Text Placeholder 2">
             <a:extLst>
               <a:ext uri="{FF2B5EF4-FFF2-40B4-BE49-F238E27FC236}">
-                <a16:creationId xmlns:a16="http://schemas.microsoft.com/office/drawing/2014/main" id="{E1D8523B-0145-462D-968B-A9A69156C42F}"/>
+                <a16:creationId xmlns:a16="http://schemas.microsoft.com/office/drawing/2014/main" xmlns="" id="{E1D8523B-0145-462D-968B-A9A69156C42F}"/>
               </a:ext>
             </a:extLst>
           </p:cNvPr>
@@ -6220,7 +6223,7 @@
           <p:cNvPr id="4" name="Content Placeholder 3">
             <a:extLst>
               <a:ext uri="{FF2B5EF4-FFF2-40B4-BE49-F238E27FC236}">
-                <a16:creationId xmlns:a16="http://schemas.microsoft.com/office/drawing/2014/main" id="{A21097C6-9A58-43E6-950A-1AD44F367B92}"/>
+                <a16:creationId xmlns:a16="http://schemas.microsoft.com/office/drawing/2014/main" xmlns="" id="{A21097C6-9A58-43E6-950A-1AD44F367B92}"/>
               </a:ext>
             </a:extLst>
           </p:cNvPr>
@@ -6257,7 +6260,7 @@
           <p:cNvPr id="5" name="Text Placeholder 4">
             <a:extLst>
               <a:ext uri="{FF2B5EF4-FFF2-40B4-BE49-F238E27FC236}">
-                <a16:creationId xmlns:a16="http://schemas.microsoft.com/office/drawing/2014/main" id="{E52A98F1-C3F3-415B-9D4D-5420D2C234E6}"/>
+                <a16:creationId xmlns:a16="http://schemas.microsoft.com/office/drawing/2014/main" xmlns="" id="{E52A98F1-C3F3-415B-9D4D-5420D2C234E6}"/>
               </a:ext>
             </a:extLst>
           </p:cNvPr>
@@ -6285,7 +6288,7 @@
           <p:cNvPr id="6" name="Content Placeholder 5">
             <a:extLst>
               <a:ext uri="{FF2B5EF4-FFF2-40B4-BE49-F238E27FC236}">
-                <a16:creationId xmlns:a16="http://schemas.microsoft.com/office/drawing/2014/main" id="{563A531E-B1C8-4877-A14C-DDF98DF32787}"/>
+                <a16:creationId xmlns:a16="http://schemas.microsoft.com/office/drawing/2014/main" xmlns="" id="{563A531E-B1C8-4877-A14C-DDF98DF32787}"/>
               </a:ext>
             </a:extLst>
           </p:cNvPr>
@@ -6303,15 +6306,15 @@
           <a:p>
             <a:r>
               <a:rPr lang="en-US" dirty="0"/>
-              <a:t>We are using </a:t>
-            </a:r>
-            <a:r>
-              <a:rPr lang="en-US" dirty="0" err="1"/>
-              <a:t>SQLServer</a:t>
+              <a:t>We are </a:t>
+            </a:r>
+            <a:r>
+              <a:rPr lang="en-US" dirty="0" smtClean="0"/>
+              <a:t>using Microsoft SQL Server </a:t>
             </a:r>
             <a:r>
               <a:rPr lang="en-US" dirty="0"/>
-              <a:t> for storage</a:t>
+              <a:t>for storage</a:t>
             </a:r>
           </a:p>
           <a:p>
@@ -6358,12 +6361,266 @@
           <a:chExt cx="0" cy="0"/>
         </a:xfrm>
       </p:grpSpPr>
+      <p:pic>
+        <p:nvPicPr>
+          <p:cNvPr id="1026" name="Picture 2" descr="E:\Documents\GitHub\InventoryManagement491\Database Screenshots\Diagram.JPG"/>
+          <p:cNvPicPr>
+            <a:picLocks noChangeAspect="1" noChangeArrowheads="1"/>
+          </p:cNvPicPr>
+          <p:nvPr/>
+        </p:nvPicPr>
+        <p:blipFill>
+          <a:blip r:embed="rId2">
+            <a:extLst>
+              <a:ext uri="{28A0092B-C50C-407E-A947-70E740481C1C}">
+                <a14:useLocalDpi xmlns:a14="http://schemas.microsoft.com/office/drawing/2010/main" val="0"/>
+              </a:ext>
+            </a:extLst>
+          </a:blip>
+          <a:srcRect/>
+          <a:stretch>
+            <a:fillRect/>
+          </a:stretch>
+        </p:blipFill>
+        <p:spPr bwMode="auto">
+          <a:xfrm>
+            <a:off x="580073" y="487997"/>
+            <a:ext cx="5514975" cy="3914775"/>
+          </a:xfrm>
+          <a:prstGeom prst="rect">
+            <a:avLst/>
+          </a:prstGeom>
+          <a:noFill/>
+          <a:extLst>
+            <a:ext uri="{909E8E84-426E-40DD-AFC4-6F175D3DCCD1}">
+              <a14:hiddenFill xmlns:a14="http://schemas.microsoft.com/office/drawing/2010/main">
+                <a:solidFill>
+                  <a:srgbClr val="FFFFFF"/>
+                </a:solidFill>
+              </a14:hiddenFill>
+            </a:ext>
+          </a:extLst>
+        </p:spPr>
+      </p:pic>
+      <p:pic>
+        <p:nvPicPr>
+          <p:cNvPr id="8" name="Picture 2" descr="E:\Documents\GitHub\InventoryManagement491\Database Screenshots\EquimentTable.JPG"/>
+          <p:cNvPicPr>
+            <a:picLocks noChangeAspect="1" noChangeArrowheads="1"/>
+          </p:cNvPicPr>
+          <p:nvPr/>
+        </p:nvPicPr>
+        <p:blipFill>
+          <a:blip r:embed="rId3">
+            <a:extLst>
+              <a:ext uri="{28A0092B-C50C-407E-A947-70E740481C1C}">
+                <a14:useLocalDpi xmlns:a14="http://schemas.microsoft.com/office/drawing/2010/main" val="0"/>
+              </a:ext>
+            </a:extLst>
+          </a:blip>
+          <a:srcRect/>
+          <a:stretch>
+            <a:fillRect/>
+          </a:stretch>
+        </p:blipFill>
+        <p:spPr bwMode="auto">
+          <a:xfrm>
+            <a:off x="7033578" y="2816859"/>
+            <a:ext cx="3705225" cy="3171825"/>
+          </a:xfrm>
+          <a:prstGeom prst="rect">
+            <a:avLst/>
+          </a:prstGeom>
+          <a:noFill/>
+          <a:extLst>
+            <a:ext uri="{909E8E84-426E-40DD-AFC4-6F175D3DCCD1}">
+              <a14:hiddenFill xmlns:a14="http://schemas.microsoft.com/office/drawing/2010/main">
+                <a:solidFill>
+                  <a:srgbClr val="FFFFFF"/>
+                </a:solidFill>
+              </a14:hiddenFill>
+            </a:ext>
+          </a:extLst>
+        </p:spPr>
+      </p:pic>
+    </p:spTree>
+    <p:extLst>
+      <p:ext uri="{BB962C8B-B14F-4D97-AF65-F5344CB8AC3E}">
+        <p14:creationId xmlns:p14="http://schemas.microsoft.com/office/powerpoint/2010/main" val="3483838490"/>
+      </p:ext>
+    </p:extLst>
+  </p:cSld>
+  <p:clrMapOvr>
+    <a:masterClrMapping/>
+  </p:clrMapOvr>
+</p:sld>
+</file>
+
+<file path=ppt/slides/slide13.xml><?xml version="1.0" encoding="utf-8"?>
+<p:sld xmlns:a="http://schemas.openxmlformats.org/drawingml/2006/main" xmlns:r="http://schemas.openxmlformats.org/officeDocument/2006/relationships" xmlns:p="http://schemas.openxmlformats.org/presentationml/2006/main">
+  <p:cSld>
+    <p:spTree>
+      <p:nvGrpSpPr>
+        <p:cNvPr id="1" name=""/>
+        <p:cNvGrpSpPr/>
+        <p:nvPr/>
+      </p:nvGrpSpPr>
+      <p:grpSpPr>
+        <a:xfrm>
+          <a:off x="0" y="0"/>
+          <a:ext cx="0" cy="0"/>
+          <a:chOff x="0" y="0"/>
+          <a:chExt cx="0" cy="0"/>
+        </a:xfrm>
+      </p:grpSpPr>
+      <p:pic>
+        <p:nvPicPr>
+          <p:cNvPr id="2052" name="Picture 4" descr="E:\Documents\GitHub\InventoryManagement491\Database Screenshots\Script.JPG"/>
+          <p:cNvPicPr>
+            <a:picLocks noChangeAspect="1" noChangeArrowheads="1"/>
+          </p:cNvPicPr>
+          <p:nvPr/>
+        </p:nvPicPr>
+        <p:blipFill>
+          <a:blip r:embed="rId2">
+            <a:extLst>
+              <a:ext uri="{28A0092B-C50C-407E-A947-70E740481C1C}">
+                <a14:useLocalDpi xmlns:a14="http://schemas.microsoft.com/office/drawing/2010/main" val="0"/>
+              </a:ext>
+            </a:extLst>
+          </a:blip>
+          <a:srcRect/>
+          <a:stretch>
+            <a:fillRect/>
+          </a:stretch>
+        </p:blipFill>
+        <p:spPr bwMode="auto">
+          <a:xfrm>
+            <a:off x="2930552" y="491489"/>
+            <a:ext cx="6232882" cy="5955031"/>
+          </a:xfrm>
+          <a:prstGeom prst="rect">
+            <a:avLst/>
+          </a:prstGeom>
+          <a:noFill/>
+          <a:extLst>
+            <a:ext uri="{909E8E84-426E-40DD-AFC4-6F175D3DCCD1}">
+              <a14:hiddenFill xmlns:a14="http://schemas.microsoft.com/office/drawing/2010/main">
+                <a:solidFill>
+                  <a:srgbClr val="FFFFFF"/>
+                </a:solidFill>
+              </a14:hiddenFill>
+            </a:ext>
+          </a:extLst>
+        </p:spPr>
+      </p:pic>
+    </p:spTree>
+    <p:extLst>
+      <p:ext uri="{BB962C8B-B14F-4D97-AF65-F5344CB8AC3E}">
+        <p14:creationId xmlns:p14="http://schemas.microsoft.com/office/powerpoint/2010/main" val="722988254"/>
+      </p:ext>
+    </p:extLst>
+  </p:cSld>
+  <p:clrMapOvr>
+    <a:masterClrMapping/>
+  </p:clrMapOvr>
+</p:sld>
+</file>
+
+<file path=ppt/slides/slide14.xml><?xml version="1.0" encoding="utf-8"?>
+<p:sld xmlns:a="http://schemas.openxmlformats.org/drawingml/2006/main" xmlns:r="http://schemas.openxmlformats.org/officeDocument/2006/relationships" xmlns:p="http://schemas.openxmlformats.org/presentationml/2006/main">
+  <p:cSld>
+    <p:spTree>
+      <p:nvGrpSpPr>
+        <p:cNvPr id="1" name=""/>
+        <p:cNvGrpSpPr/>
+        <p:nvPr/>
+      </p:nvGrpSpPr>
+      <p:grpSpPr>
+        <a:xfrm>
+          <a:off x="0" y="0"/>
+          <a:ext cx="0" cy="0"/>
+          <a:chOff x="0" y="0"/>
+          <a:chExt cx="0" cy="0"/>
+        </a:xfrm>
+      </p:grpSpPr>
+      <p:pic>
+        <p:nvPicPr>
+          <p:cNvPr id="2" name="Picture 3" descr="E:\Documents\GitHub\InventoryManagement491\Database Screenshots\InsertEquipmentSP.JPG"/>
+          <p:cNvPicPr>
+            <a:picLocks noChangeAspect="1" noChangeArrowheads="1"/>
+          </p:cNvPicPr>
+          <p:nvPr/>
+        </p:nvPicPr>
+        <p:blipFill>
+          <a:blip r:embed="rId2">
+            <a:extLst>
+              <a:ext uri="{28A0092B-C50C-407E-A947-70E740481C1C}">
+                <a14:useLocalDpi xmlns:a14="http://schemas.microsoft.com/office/drawing/2010/main" val="0"/>
+              </a:ext>
+            </a:extLst>
+          </a:blip>
+          <a:srcRect/>
+          <a:stretch>
+            <a:fillRect/>
+          </a:stretch>
+        </p:blipFill>
+        <p:spPr bwMode="auto">
+          <a:xfrm>
+            <a:off x="4340860" y="232410"/>
+            <a:ext cx="3171825" cy="6438900"/>
+          </a:xfrm>
+          <a:prstGeom prst="rect">
+            <a:avLst/>
+          </a:prstGeom>
+          <a:noFill/>
+          <a:extLst>
+            <a:ext uri="{909E8E84-426E-40DD-AFC4-6F175D3DCCD1}">
+              <a14:hiddenFill xmlns:a14="http://schemas.microsoft.com/office/drawing/2010/main">
+                <a:solidFill>
+                  <a:srgbClr val="FFFFFF"/>
+                </a:solidFill>
+              </a14:hiddenFill>
+            </a:ext>
+          </a:extLst>
+        </p:spPr>
+      </p:pic>
+    </p:spTree>
+    <p:extLst>
+      <p:ext uri="{BB962C8B-B14F-4D97-AF65-F5344CB8AC3E}">
+        <p14:creationId xmlns:p14="http://schemas.microsoft.com/office/powerpoint/2010/main" val="2926387056"/>
+      </p:ext>
+    </p:extLst>
+  </p:cSld>
+  <p:clrMapOvr>
+    <a:masterClrMapping/>
+  </p:clrMapOvr>
+</p:sld>
+</file>
+
+<file path=ppt/slides/slide15.xml><?xml version="1.0" encoding="utf-8"?>
+<p:sld xmlns:a="http://schemas.openxmlformats.org/drawingml/2006/main" xmlns:r="http://schemas.openxmlformats.org/officeDocument/2006/relationships" xmlns:p="http://schemas.openxmlformats.org/presentationml/2006/main">
+  <p:cSld>
+    <p:spTree>
+      <p:nvGrpSpPr>
+        <p:cNvPr id="1" name=""/>
+        <p:cNvGrpSpPr/>
+        <p:nvPr/>
+      </p:nvGrpSpPr>
+      <p:grpSpPr>
+        <a:xfrm>
+          <a:off x="0" y="0"/>
+          <a:ext cx="0" cy="0"/>
+          <a:chOff x="0" y="0"/>
+          <a:chExt cx="0" cy="0"/>
+        </a:xfrm>
+      </p:grpSpPr>
       <p:sp>
         <p:nvSpPr>
           <p:cNvPr id="2" name="Title 1">
             <a:extLst>
               <a:ext uri="{FF2B5EF4-FFF2-40B4-BE49-F238E27FC236}">
-                <a16:creationId xmlns:a16="http://schemas.microsoft.com/office/drawing/2014/main" id="{F716DD9B-F7D2-4287-98AE-F7F86AE565D6}"/>
+                <a16:creationId xmlns:a16="http://schemas.microsoft.com/office/drawing/2014/main" xmlns="" id="{F716DD9B-F7D2-4287-98AE-F7F86AE565D6}"/>
               </a:ext>
             </a:extLst>
           </p:cNvPr>
@@ -6391,7 +6648,7 @@
           <p:cNvPr id="3" name="Text Placeholder 2">
             <a:extLst>
               <a:ext uri="{FF2B5EF4-FFF2-40B4-BE49-F238E27FC236}">
-                <a16:creationId xmlns:a16="http://schemas.microsoft.com/office/drawing/2014/main" id="{DC61E3B9-0220-4689-B1A3-FBD7648DF8BE}"/>
+                <a16:creationId xmlns:a16="http://schemas.microsoft.com/office/drawing/2014/main" xmlns="" id="{DC61E3B9-0220-4689-B1A3-FBD7648DF8BE}"/>
               </a:ext>
             </a:extLst>
           </p:cNvPr>
@@ -6419,7 +6676,7 @@
           <p:cNvPr id="4" name="Content Placeholder 3">
             <a:extLst>
               <a:ext uri="{FF2B5EF4-FFF2-40B4-BE49-F238E27FC236}">
-                <a16:creationId xmlns:a16="http://schemas.microsoft.com/office/drawing/2014/main" id="{113B233D-CB85-4464-8C8E-378BF3781D3C}"/>
+                <a16:creationId xmlns:a16="http://schemas.microsoft.com/office/drawing/2014/main" xmlns="" id="{113B233D-CB85-4464-8C8E-378BF3781D3C}"/>
               </a:ext>
             </a:extLst>
           </p:cNvPr>
@@ -6453,7 +6710,7 @@
           <p:cNvPr id="5" name="Text Placeholder 4">
             <a:extLst>
               <a:ext uri="{FF2B5EF4-FFF2-40B4-BE49-F238E27FC236}">
-                <a16:creationId xmlns:a16="http://schemas.microsoft.com/office/drawing/2014/main" id="{62BF2970-E608-4186-97CC-9D9ED5F69208}"/>
+                <a16:creationId xmlns:a16="http://schemas.microsoft.com/office/drawing/2014/main" xmlns="" id="{62BF2970-E608-4186-97CC-9D9ED5F69208}"/>
               </a:ext>
             </a:extLst>
           </p:cNvPr>
@@ -6481,7 +6738,7 @@
           <p:cNvPr id="6" name="Content Placeholder 5">
             <a:extLst>
               <a:ext uri="{FF2B5EF4-FFF2-40B4-BE49-F238E27FC236}">
-                <a16:creationId xmlns:a16="http://schemas.microsoft.com/office/drawing/2014/main" id="{7B0DA6A4-7943-48B5-8D83-2D2FB062D6E9}"/>
+                <a16:creationId xmlns:a16="http://schemas.microsoft.com/office/drawing/2014/main" xmlns="" id="{7B0DA6A4-7943-48B5-8D83-2D2FB062D6E9}"/>
               </a:ext>
             </a:extLst>
           </p:cNvPr>
@@ -6567,7 +6824,7 @@
           <p:cNvPr id="2" name="Title 1">
             <a:extLst>
               <a:ext uri="{FF2B5EF4-FFF2-40B4-BE49-F238E27FC236}">
-                <a16:creationId xmlns:a16="http://schemas.microsoft.com/office/drawing/2014/main" id="{5FFC5C04-82B7-4496-A7B6-6628DEA53298}"/>
+                <a16:creationId xmlns:a16="http://schemas.microsoft.com/office/drawing/2014/main" xmlns="" id="{5FFC5C04-82B7-4496-A7B6-6628DEA53298}"/>
               </a:ext>
             </a:extLst>
           </p:cNvPr>
@@ -6595,7 +6852,7 @@
           <p:cNvPr id="3" name="Content Placeholder 2">
             <a:extLst>
               <a:ext uri="{FF2B5EF4-FFF2-40B4-BE49-F238E27FC236}">
-                <a16:creationId xmlns:a16="http://schemas.microsoft.com/office/drawing/2014/main" id="{91ADF8CA-681D-4145-8C11-A31AC8DB6DD7}"/>
+                <a16:creationId xmlns:a16="http://schemas.microsoft.com/office/drawing/2014/main" xmlns="" id="{91ADF8CA-681D-4145-8C11-A31AC8DB6DD7}"/>
               </a:ext>
             </a:extLst>
           </p:cNvPr>
@@ -6671,7 +6928,7 @@
           <p:cNvPr id="2" name="Title 1">
             <a:extLst>
               <a:ext uri="{FF2B5EF4-FFF2-40B4-BE49-F238E27FC236}">
-                <a16:creationId xmlns:a16="http://schemas.microsoft.com/office/drawing/2014/main" id="{3BEDCEEE-9AB9-476A-9C65-90E10C8BDA3E}"/>
+                <a16:creationId xmlns:a16="http://schemas.microsoft.com/office/drawing/2014/main" xmlns="" id="{3BEDCEEE-9AB9-476A-9C65-90E10C8BDA3E}"/>
               </a:ext>
             </a:extLst>
           </p:cNvPr>
@@ -6699,7 +6956,7 @@
           <p:cNvPr id="3" name="Text Placeholder 2">
             <a:extLst>
               <a:ext uri="{FF2B5EF4-FFF2-40B4-BE49-F238E27FC236}">
-                <a16:creationId xmlns:a16="http://schemas.microsoft.com/office/drawing/2014/main" id="{2D37D411-9A6D-4CE7-9E08-A00B920284AB}"/>
+                <a16:creationId xmlns:a16="http://schemas.microsoft.com/office/drawing/2014/main" xmlns="" id="{2D37D411-9A6D-4CE7-9E08-A00B920284AB}"/>
               </a:ext>
             </a:extLst>
           </p:cNvPr>
@@ -6727,7 +6984,7 @@
           <p:cNvPr id="4" name="Content Placeholder 3">
             <a:extLst>
               <a:ext uri="{FF2B5EF4-FFF2-40B4-BE49-F238E27FC236}">
-                <a16:creationId xmlns:a16="http://schemas.microsoft.com/office/drawing/2014/main" id="{F07C75BC-32D2-471A-BC76-93F328DB3B7B}"/>
+                <a16:creationId xmlns:a16="http://schemas.microsoft.com/office/drawing/2014/main" xmlns="" id="{F07C75BC-32D2-471A-BC76-93F328DB3B7B}"/>
               </a:ext>
             </a:extLst>
           </p:cNvPr>
@@ -6745,8 +7002,21 @@
           <a:p>
             <a:r>
               <a:rPr lang="en-US" dirty="0"/>
-              <a:t>Prioritizing android be runnable on cellphones using a web-based application. </a:t>
-            </a:r>
+              <a:t>Prioritizing </a:t>
+            </a:r>
+            <a:r>
+              <a:rPr lang="en-US" dirty="0" smtClean="0"/>
+              <a:t>Android compatibility using </a:t>
+            </a:r>
+            <a:r>
+              <a:rPr lang="en-US" dirty="0"/>
+              <a:t>a web-based </a:t>
+            </a:r>
+            <a:r>
+              <a:rPr lang="en-US" dirty="0" smtClean="0"/>
+              <a:t>application. </a:t>
+            </a:r>
+            <a:endParaRPr lang="en-US" dirty="0"/>
           </a:p>
           <a:p>
             <a:r>
@@ -6767,7 +7037,7 @@
           <p:cNvPr id="5" name="Text Placeholder 4">
             <a:extLst>
               <a:ext uri="{FF2B5EF4-FFF2-40B4-BE49-F238E27FC236}">
-                <a16:creationId xmlns:a16="http://schemas.microsoft.com/office/drawing/2014/main" id="{CAC99D2E-83CC-49F9-96FD-4742C4DD2559}"/>
+                <a16:creationId xmlns:a16="http://schemas.microsoft.com/office/drawing/2014/main" xmlns="" id="{CAC99D2E-83CC-49F9-96FD-4742C4DD2559}"/>
               </a:ext>
             </a:extLst>
           </p:cNvPr>
@@ -6795,7 +7065,7 @@
           <p:cNvPr id="6" name="Content Placeholder 5">
             <a:extLst>
               <a:ext uri="{FF2B5EF4-FFF2-40B4-BE49-F238E27FC236}">
-                <a16:creationId xmlns:a16="http://schemas.microsoft.com/office/drawing/2014/main" id="{C4BCDA0F-0D7F-4DA7-A18B-97DE27E881C6}"/>
+                <a16:creationId xmlns:a16="http://schemas.microsoft.com/office/drawing/2014/main" xmlns="" id="{C4BCDA0F-0D7F-4DA7-A18B-97DE27E881C6}"/>
               </a:ext>
             </a:extLst>
           </p:cNvPr>
@@ -6871,7 +7141,7 @@
           <p:cNvPr id="8" name="Content Placeholder 7">
             <a:extLst>
               <a:ext uri="{FF2B5EF4-FFF2-40B4-BE49-F238E27FC236}">
-                <a16:creationId xmlns:a16="http://schemas.microsoft.com/office/drawing/2014/main" id="{9808B6F8-4D39-439F-AEB4-03CAB65228A7}"/>
+                <a16:creationId xmlns:a16="http://schemas.microsoft.com/office/drawing/2014/main" xmlns="" id="{9808B6F8-4D39-439F-AEB4-03CAB65228A7}"/>
               </a:ext>
             </a:extLst>
           </p:cNvPr>
@@ -6930,7 +7200,7 @@
           <p:cNvPr id="3" name="Picture 2">
             <a:extLst>
               <a:ext uri="{FF2B5EF4-FFF2-40B4-BE49-F238E27FC236}">
-                <a16:creationId xmlns:a16="http://schemas.microsoft.com/office/drawing/2014/main" id="{3E8502E8-8EBC-4703-A6E2-EA5A3BD37F0E}"/>
+                <a16:creationId xmlns:a16="http://schemas.microsoft.com/office/drawing/2014/main" xmlns="" id="{3E8502E8-8EBC-4703-A6E2-EA5A3BD37F0E}"/>
               </a:ext>
             </a:extLst>
           </p:cNvPr>
@@ -6990,7 +7260,7 @@
           <p:cNvPr id="3" name="Picture 2">
             <a:extLst>
               <a:ext uri="{FF2B5EF4-FFF2-40B4-BE49-F238E27FC236}">
-                <a16:creationId xmlns:a16="http://schemas.microsoft.com/office/drawing/2014/main" id="{6F562C10-67F3-4336-ACAD-3CCE38987EFB}"/>
+                <a16:creationId xmlns:a16="http://schemas.microsoft.com/office/drawing/2014/main" xmlns="" id="{6F562C10-67F3-4336-ACAD-3CCE38987EFB}"/>
               </a:ext>
             </a:extLst>
           </p:cNvPr>
@@ -7050,7 +7320,7 @@
           <p:cNvPr id="3" name="Picture 2" descr="A screenshot of a cell phone&#10;&#10;Description generated with very high confidence">
             <a:extLst>
               <a:ext uri="{FF2B5EF4-FFF2-40B4-BE49-F238E27FC236}">
-                <a16:creationId xmlns:a16="http://schemas.microsoft.com/office/drawing/2014/main" id="{20DE1A84-34C3-4E92-B3B6-46A83577031F}"/>
+                <a16:creationId xmlns:a16="http://schemas.microsoft.com/office/drawing/2014/main" xmlns="" id="{20DE1A84-34C3-4E92-B3B6-46A83577031F}"/>
               </a:ext>
             </a:extLst>
           </p:cNvPr>
@@ -7110,7 +7380,7 @@
           <p:cNvPr id="3" name="Picture 2" descr="A screenshot of a cell phone&#10;&#10;Description generated with very high confidence">
             <a:extLst>
               <a:ext uri="{FF2B5EF4-FFF2-40B4-BE49-F238E27FC236}">
-                <a16:creationId xmlns:a16="http://schemas.microsoft.com/office/drawing/2014/main" id="{92C202E7-8607-4D8C-AD61-219BA88A9074}"/>
+                <a16:creationId xmlns:a16="http://schemas.microsoft.com/office/drawing/2014/main" xmlns="" id="{92C202E7-8607-4D8C-AD61-219BA88A9074}"/>
               </a:ext>
             </a:extLst>
           </p:cNvPr>
@@ -7170,7 +7440,7 @@
           <p:cNvPr id="3" name="Picture 2" descr="A screenshot of a social media post&#10;&#10;Description generated with very high confidence">
             <a:extLst>
               <a:ext uri="{FF2B5EF4-FFF2-40B4-BE49-F238E27FC236}">
-                <a16:creationId xmlns:a16="http://schemas.microsoft.com/office/drawing/2014/main" id="{1B63A0D7-8725-4874-A5CF-C0114290CF87}"/>
+                <a16:creationId xmlns:a16="http://schemas.microsoft.com/office/drawing/2014/main" xmlns="" id="{1B63A0D7-8725-4874-A5CF-C0114290CF87}"/>
               </a:ext>
             </a:extLst>
           </p:cNvPr>
@@ -7468,7 +7738,7 @@
   <a:extraClrSchemeLst/>
   <a:extLst>
     <a:ext uri="{05A4C25C-085E-4340-85A3-A5531E510DB2}">
-      <thm15:themeFamily xmlns:thm15="http://schemas.microsoft.com/office/thememl/2012/main" name="Ion" id="{B8441ADB-2E43-4AF7-B97A-BD870242C6A8}" vid="{292E63A9-BB86-4E3D-B92A-7223C6510D2E}"/>
+      <thm15:themeFamily xmlns:thm15="http://schemas.microsoft.com/office/thememl/2012/main" xmlns="" name="Ion" id="{B8441ADB-2E43-4AF7-B97A-BD870242C6A8}" vid="{292E63A9-BB86-4E3D-B92A-7223C6510D2E}"/>
     </a:ext>
   </a:extLst>
 </a:theme>

--- a/Inventory Management System midterm code review.pptx
+++ b/Inventory Management System midterm code review.pptx
@@ -20,6 +20,7 @@
     <p:sldId id="269" r:id="rId14"/>
     <p:sldId id="270" r:id="rId15"/>
     <p:sldId id="260" r:id="rId16"/>
+    <p:sldId id="271" r:id="rId17"/>
   </p:sldIdLst>
   <p:sldSz cx="12192000" cy="6858000"/>
   <p:notesSz cx="6858000" cy="9144000"/>
@@ -120,7 +121,18 @@
   </p:defaultTextStyle>
   <p:extLst>
     <p:ext uri="{EFAFB233-063F-42B5-8137-9DF3F51BA10A}">
-      <p15:sldGuideLst xmlns:p15="http://schemas.microsoft.com/office/powerpoint/2012/main" xmlns=""/>
+      <p15:sldGuideLst xmlns:p15="http://schemas.microsoft.com/office/powerpoint/2012/main">
+        <p15:guide id="1" orient="horz" pos="2160">
+          <p15:clr>
+            <a:srgbClr val="A4A3A4"/>
+          </p15:clr>
+        </p15:guide>
+        <p15:guide id="2" pos="3840">
+          <p15:clr>
+            <a:srgbClr val="A4A3A4"/>
+          </p15:clr>
+        </p15:guide>
+      </p15:sldGuideLst>
     </p:ext>
   </p:extLst>
 </p:presentation>
@@ -6021,7 +6033,7 @@
           <p:cNvPr id="2" name="Title 1">
             <a:extLst>
               <a:ext uri="{FF2B5EF4-FFF2-40B4-BE49-F238E27FC236}">
-                <a16:creationId xmlns:a16="http://schemas.microsoft.com/office/drawing/2014/main" xmlns="" id="{67B1D3CA-FA6B-4943-8080-0A8102E0FE9D}"/>
+                <a16:creationId xmlns:a16="http://schemas.microsoft.com/office/drawing/2014/main" id="{67B1D3CA-FA6B-4943-8080-0A8102E0FE9D}"/>
               </a:ext>
             </a:extLst>
           </p:cNvPr>
@@ -6049,7 +6061,7 @@
           <p:cNvPr id="3" name="Subtitle 2">
             <a:extLst>
               <a:ext uri="{FF2B5EF4-FFF2-40B4-BE49-F238E27FC236}">
-                <a16:creationId xmlns:a16="http://schemas.microsoft.com/office/drawing/2014/main" xmlns="" id="{E7C08A8E-A537-4D33-A7E0-9054031BFBB6}"/>
+                <a16:creationId xmlns:a16="http://schemas.microsoft.com/office/drawing/2014/main" id="{E7C08A8E-A537-4D33-A7E0-9054031BFBB6}"/>
               </a:ext>
             </a:extLst>
           </p:cNvPr>
@@ -6107,7 +6119,7 @@
           <p:cNvPr id="3" name="Picture 2" descr="A screenshot of a cell phone&#10;&#10;Description generated with very high confidence">
             <a:extLst>
               <a:ext uri="{FF2B5EF4-FFF2-40B4-BE49-F238E27FC236}">
-                <a16:creationId xmlns:a16="http://schemas.microsoft.com/office/drawing/2014/main" xmlns="" id="{EC03C0FF-32A8-43B3-BC1D-C427AFE91C0B}"/>
+                <a16:creationId xmlns:a16="http://schemas.microsoft.com/office/drawing/2014/main" id="{EC03C0FF-32A8-43B3-BC1D-C427AFE91C0B}"/>
               </a:ext>
             </a:extLst>
           </p:cNvPr>
@@ -6167,7 +6179,7 @@
           <p:cNvPr id="2" name="Title 1">
             <a:extLst>
               <a:ext uri="{FF2B5EF4-FFF2-40B4-BE49-F238E27FC236}">
-                <a16:creationId xmlns:a16="http://schemas.microsoft.com/office/drawing/2014/main" xmlns="" id="{F8E91008-10BF-44AE-A437-F19FDBEC3A23}"/>
+                <a16:creationId xmlns:a16="http://schemas.microsoft.com/office/drawing/2014/main" id="{F8E91008-10BF-44AE-A437-F19FDBEC3A23}"/>
               </a:ext>
             </a:extLst>
           </p:cNvPr>
@@ -6195,7 +6207,7 @@
           <p:cNvPr id="3" name="Text Placeholder 2">
             <a:extLst>
               <a:ext uri="{FF2B5EF4-FFF2-40B4-BE49-F238E27FC236}">
-                <a16:creationId xmlns:a16="http://schemas.microsoft.com/office/drawing/2014/main" xmlns="" id="{E1D8523B-0145-462D-968B-A9A69156C42F}"/>
+                <a16:creationId xmlns:a16="http://schemas.microsoft.com/office/drawing/2014/main" id="{E1D8523B-0145-462D-968B-A9A69156C42F}"/>
               </a:ext>
             </a:extLst>
           </p:cNvPr>
@@ -6223,7 +6235,7 @@
           <p:cNvPr id="4" name="Content Placeholder 3">
             <a:extLst>
               <a:ext uri="{FF2B5EF4-FFF2-40B4-BE49-F238E27FC236}">
-                <a16:creationId xmlns:a16="http://schemas.microsoft.com/office/drawing/2014/main" xmlns="" id="{A21097C6-9A58-43E6-950A-1AD44F367B92}"/>
+                <a16:creationId xmlns:a16="http://schemas.microsoft.com/office/drawing/2014/main" id="{A21097C6-9A58-43E6-950A-1AD44F367B92}"/>
               </a:ext>
             </a:extLst>
           </p:cNvPr>
@@ -6260,7 +6272,7 @@
           <p:cNvPr id="5" name="Text Placeholder 4">
             <a:extLst>
               <a:ext uri="{FF2B5EF4-FFF2-40B4-BE49-F238E27FC236}">
-                <a16:creationId xmlns:a16="http://schemas.microsoft.com/office/drawing/2014/main" xmlns="" id="{E52A98F1-C3F3-415B-9D4D-5420D2C234E6}"/>
+                <a16:creationId xmlns:a16="http://schemas.microsoft.com/office/drawing/2014/main" id="{E52A98F1-C3F3-415B-9D4D-5420D2C234E6}"/>
               </a:ext>
             </a:extLst>
           </p:cNvPr>
@@ -6288,7 +6300,7 @@
           <p:cNvPr id="6" name="Content Placeholder 5">
             <a:extLst>
               <a:ext uri="{FF2B5EF4-FFF2-40B4-BE49-F238E27FC236}">
-                <a16:creationId xmlns:a16="http://schemas.microsoft.com/office/drawing/2014/main" xmlns="" id="{563A531E-B1C8-4877-A14C-DDF98DF32787}"/>
+                <a16:creationId xmlns:a16="http://schemas.microsoft.com/office/drawing/2014/main" id="{563A531E-B1C8-4877-A14C-DDF98DF32787}"/>
               </a:ext>
             </a:extLst>
           </p:cNvPr>
@@ -6306,15 +6318,7 @@
           <a:p>
             <a:r>
               <a:rPr lang="en-US" dirty="0"/>
-              <a:t>We are </a:t>
-            </a:r>
-            <a:r>
-              <a:rPr lang="en-US" dirty="0" smtClean="0"/>
-              <a:t>using Microsoft SQL Server </a:t>
-            </a:r>
-            <a:r>
-              <a:rPr lang="en-US" dirty="0"/>
-              <a:t>for storage</a:t>
+              <a:t>We are using Microsoft SQL Server for storage</a:t>
             </a:r>
           </a:p>
           <a:p>
@@ -6620,7 +6624,7 @@
           <p:cNvPr id="2" name="Title 1">
             <a:extLst>
               <a:ext uri="{FF2B5EF4-FFF2-40B4-BE49-F238E27FC236}">
-                <a16:creationId xmlns:a16="http://schemas.microsoft.com/office/drawing/2014/main" xmlns="" id="{F716DD9B-F7D2-4287-98AE-F7F86AE565D6}"/>
+                <a16:creationId xmlns:a16="http://schemas.microsoft.com/office/drawing/2014/main" id="{F716DD9B-F7D2-4287-98AE-F7F86AE565D6}"/>
               </a:ext>
             </a:extLst>
           </p:cNvPr>
@@ -6628,10 +6632,15 @@
             <a:spLocks noGrp="1"/>
           </p:cNvSpPr>
           <p:nvPr>
-            <p:ph type="title"/>
-          </p:nvPr>
-        </p:nvSpPr>
-        <p:spPr/>
+            <p:ph type="title" idx="4294967295"/>
+          </p:nvPr>
+        </p:nvSpPr>
+        <p:spPr>
+          <a:xfrm>
+            <a:off x="411061" y="318214"/>
+            <a:ext cx="9404350" cy="1400175"/>
+          </a:xfrm>
+        </p:spPr>
         <p:txBody>
           <a:bodyPr/>
           <a:lstStyle/>
@@ -6648,7 +6657,7 @@
           <p:cNvPr id="3" name="Text Placeholder 2">
             <a:extLst>
               <a:ext uri="{FF2B5EF4-FFF2-40B4-BE49-F238E27FC236}">
-                <a16:creationId xmlns:a16="http://schemas.microsoft.com/office/drawing/2014/main" xmlns="" id="{DC61E3B9-0220-4689-B1A3-FBD7648DF8BE}"/>
+                <a16:creationId xmlns:a16="http://schemas.microsoft.com/office/drawing/2014/main" id="{DC61E3B9-0220-4689-B1A3-FBD7648DF8BE}"/>
               </a:ext>
             </a:extLst>
           </p:cNvPr>
@@ -6656,10 +6665,15 @@
             <a:spLocks noGrp="1"/>
           </p:cNvSpPr>
           <p:nvPr>
-            <p:ph type="body" idx="1"/>
-          </p:nvPr>
-        </p:nvSpPr>
-        <p:spPr/>
+            <p:ph type="body" idx="4294967295"/>
+          </p:nvPr>
+        </p:nvSpPr>
+        <p:spPr>
+          <a:xfrm>
+            <a:off x="411061" y="1905000"/>
+            <a:ext cx="4395788" cy="576263"/>
+          </a:xfrm>
+        </p:spPr>
         <p:txBody>
           <a:bodyPr/>
           <a:lstStyle/>
@@ -6676,7 +6690,7 @@
           <p:cNvPr id="4" name="Content Placeholder 3">
             <a:extLst>
               <a:ext uri="{FF2B5EF4-FFF2-40B4-BE49-F238E27FC236}">
-                <a16:creationId xmlns:a16="http://schemas.microsoft.com/office/drawing/2014/main" xmlns="" id="{113B233D-CB85-4464-8C8E-378BF3781D3C}"/>
+                <a16:creationId xmlns:a16="http://schemas.microsoft.com/office/drawing/2014/main" id="{113B233D-CB85-4464-8C8E-378BF3781D3C}"/>
               </a:ext>
             </a:extLst>
           </p:cNvPr>
@@ -6684,10 +6698,15 @@
             <a:spLocks noGrp="1"/>
           </p:cNvSpPr>
           <p:nvPr>
-            <p:ph sz="half" idx="2"/>
-          </p:nvPr>
-        </p:nvSpPr>
-        <p:spPr/>
+            <p:ph sz="half" idx="4294967295"/>
+          </p:nvPr>
+        </p:nvSpPr>
+        <p:spPr>
+          <a:xfrm>
+            <a:off x="411061" y="2514600"/>
+            <a:ext cx="4395788" cy="3741738"/>
+          </a:xfrm>
+        </p:spPr>
         <p:txBody>
           <a:bodyPr/>
           <a:lstStyle/>
@@ -6710,7 +6729,7 @@
           <p:cNvPr id="5" name="Text Placeholder 4">
             <a:extLst>
               <a:ext uri="{FF2B5EF4-FFF2-40B4-BE49-F238E27FC236}">
-                <a16:creationId xmlns:a16="http://schemas.microsoft.com/office/drawing/2014/main" xmlns="" id="{62BF2970-E608-4186-97CC-9D9ED5F69208}"/>
+                <a16:creationId xmlns:a16="http://schemas.microsoft.com/office/drawing/2014/main" id="{62BF2970-E608-4186-97CC-9D9ED5F69208}"/>
               </a:ext>
             </a:extLst>
           </p:cNvPr>
@@ -6718,10 +6737,15 @@
             <a:spLocks noGrp="1"/>
           </p:cNvSpPr>
           <p:nvPr>
-            <p:ph type="body" sz="quarter" idx="3"/>
-          </p:nvPr>
-        </p:nvSpPr>
-        <p:spPr/>
+            <p:ph type="body" sz="quarter" idx="4294967295"/>
+          </p:nvPr>
+        </p:nvSpPr>
+        <p:spPr>
+          <a:xfrm>
+            <a:off x="5900301" y="1905000"/>
+            <a:ext cx="4395787" cy="576263"/>
+          </a:xfrm>
+        </p:spPr>
         <p:txBody>
           <a:bodyPr/>
           <a:lstStyle/>
@@ -6738,7 +6762,7 @@
           <p:cNvPr id="6" name="Content Placeholder 5">
             <a:extLst>
               <a:ext uri="{FF2B5EF4-FFF2-40B4-BE49-F238E27FC236}">
-                <a16:creationId xmlns:a16="http://schemas.microsoft.com/office/drawing/2014/main" xmlns="" id="{7B0DA6A4-7943-48B5-8D83-2D2FB062D6E9}"/>
+                <a16:creationId xmlns:a16="http://schemas.microsoft.com/office/drawing/2014/main" id="{7B0DA6A4-7943-48B5-8D83-2D2FB062D6E9}"/>
               </a:ext>
             </a:extLst>
           </p:cNvPr>
@@ -6746,10 +6770,15 @@
             <a:spLocks noGrp="1"/>
           </p:cNvSpPr>
           <p:nvPr>
-            <p:ph sz="quarter" idx="4"/>
-          </p:nvPr>
-        </p:nvSpPr>
-        <p:spPr/>
+            <p:ph sz="quarter" idx="4294967295"/>
+          </p:nvPr>
+        </p:nvSpPr>
+        <p:spPr>
+          <a:xfrm>
+            <a:off x="5900301" y="2514600"/>
+            <a:ext cx="4395787" cy="3741738"/>
+          </a:xfrm>
+        </p:spPr>
         <p:txBody>
           <a:bodyPr/>
           <a:lstStyle/>
@@ -6793,6 +6822,71 @@
     <p:extLst>
       <p:ext uri="{BB962C8B-B14F-4D97-AF65-F5344CB8AC3E}">
         <p14:creationId xmlns:p14="http://schemas.microsoft.com/office/powerpoint/2010/main" val="4020540796"/>
+      </p:ext>
+    </p:extLst>
+  </p:cSld>
+  <p:clrMapOvr>
+    <a:masterClrMapping/>
+  </p:clrMapOvr>
+</p:sld>
+</file>
+
+<file path=ppt/slides/slide16.xml><?xml version="1.0" encoding="utf-8"?>
+<p:sld xmlns:a="http://schemas.openxmlformats.org/drawingml/2006/main" xmlns:r="http://schemas.openxmlformats.org/officeDocument/2006/relationships" xmlns:p="http://schemas.openxmlformats.org/presentationml/2006/main">
+  <p:cSld>
+    <p:spTree>
+      <p:nvGrpSpPr>
+        <p:cNvPr id="1" name=""/>
+        <p:cNvGrpSpPr/>
+        <p:nvPr/>
+      </p:nvGrpSpPr>
+      <p:grpSpPr>
+        <a:xfrm>
+          <a:off x="0" y="0"/>
+          <a:ext cx="0" cy="0"/>
+          <a:chOff x="0" y="0"/>
+          <a:chExt cx="0" cy="0"/>
+        </a:xfrm>
+      </p:grpSpPr>
+      <p:sp>
+        <p:nvSpPr>
+          <p:cNvPr id="2" name="TextBox 1">
+            <a:extLst>
+              <a:ext uri="{FF2B5EF4-FFF2-40B4-BE49-F238E27FC236}">
+                <a16:creationId xmlns:a16="http://schemas.microsoft.com/office/drawing/2014/main" id="{EAB9DF37-18D9-437E-96E1-BB97F36140D0}"/>
+              </a:ext>
+            </a:extLst>
+          </p:cNvPr>
+          <p:cNvSpPr txBox="1"/>
+          <p:nvPr/>
+        </p:nvSpPr>
+        <p:spPr>
+          <a:xfrm>
+            <a:off x="4883969" y="3244334"/>
+            <a:ext cx="2424062" cy="369332"/>
+          </a:xfrm>
+          <a:prstGeom prst="rect">
+            <a:avLst/>
+          </a:prstGeom>
+          <a:noFill/>
+        </p:spPr>
+        <p:txBody>
+          <a:bodyPr wrap="none" rtlCol="0">
+            <a:spAutoFit/>
+          </a:bodyPr>
+          <a:lstStyle/>
+          <a:p>
+            <a:r>
+              <a:rPr lang="en-US" dirty="0"/>
+              <a:t>Finished. Questions?</a:t>
+            </a:r>
+          </a:p>
+        </p:txBody>
+      </p:sp>
+    </p:spTree>
+    <p:extLst>
+      <p:ext uri="{BB962C8B-B14F-4D97-AF65-F5344CB8AC3E}">
+        <p14:creationId xmlns:p14="http://schemas.microsoft.com/office/powerpoint/2010/main" val="633668904"/>
       </p:ext>
     </p:extLst>
   </p:cSld>
@@ -6824,7 +6918,7 @@
           <p:cNvPr id="2" name="Title 1">
             <a:extLst>
               <a:ext uri="{FF2B5EF4-FFF2-40B4-BE49-F238E27FC236}">
-                <a16:creationId xmlns:a16="http://schemas.microsoft.com/office/drawing/2014/main" xmlns="" id="{5FFC5C04-82B7-4496-A7B6-6628DEA53298}"/>
+                <a16:creationId xmlns:a16="http://schemas.microsoft.com/office/drawing/2014/main" id="{5FFC5C04-82B7-4496-A7B6-6628DEA53298}"/>
               </a:ext>
             </a:extLst>
           </p:cNvPr>
@@ -6852,7 +6946,7 @@
           <p:cNvPr id="3" name="Content Placeholder 2">
             <a:extLst>
               <a:ext uri="{FF2B5EF4-FFF2-40B4-BE49-F238E27FC236}">
-                <a16:creationId xmlns:a16="http://schemas.microsoft.com/office/drawing/2014/main" xmlns="" id="{91ADF8CA-681D-4145-8C11-A31AC8DB6DD7}"/>
+                <a16:creationId xmlns:a16="http://schemas.microsoft.com/office/drawing/2014/main" id="{91ADF8CA-681D-4145-8C11-A31AC8DB6DD7}"/>
               </a:ext>
             </a:extLst>
           </p:cNvPr>
@@ -6870,13 +6964,13 @@
           <a:p>
             <a:r>
               <a:rPr lang="en-US" dirty="0"/>
-              <a:t>Ability to scan the barcodes of new inventory from a cellphone camera</a:t>
+              <a:t>Ability to scan barcodes of new inventory from a cellphone camera</a:t>
             </a:r>
           </a:p>
           <a:p>
             <a:r>
               <a:rPr lang="en-US" dirty="0"/>
-              <a:t>Store inventory information in a format that will allow for easy viewing, editing and auditing</a:t>
+              <a:t>Organize inventory information in a format that will allow for easy viewing, editing and auditing</a:t>
             </a:r>
           </a:p>
           <a:p>
@@ -6928,7 +7022,7 @@
           <p:cNvPr id="2" name="Title 1">
             <a:extLst>
               <a:ext uri="{FF2B5EF4-FFF2-40B4-BE49-F238E27FC236}">
-                <a16:creationId xmlns:a16="http://schemas.microsoft.com/office/drawing/2014/main" xmlns="" id="{3BEDCEEE-9AB9-476A-9C65-90E10C8BDA3E}"/>
+                <a16:creationId xmlns:a16="http://schemas.microsoft.com/office/drawing/2014/main" id="{3BEDCEEE-9AB9-476A-9C65-90E10C8BDA3E}"/>
               </a:ext>
             </a:extLst>
           </p:cNvPr>
@@ -6956,7 +7050,7 @@
           <p:cNvPr id="3" name="Text Placeholder 2">
             <a:extLst>
               <a:ext uri="{FF2B5EF4-FFF2-40B4-BE49-F238E27FC236}">
-                <a16:creationId xmlns:a16="http://schemas.microsoft.com/office/drawing/2014/main" xmlns="" id="{2D37D411-9A6D-4CE7-9E08-A00B920284AB}"/>
+                <a16:creationId xmlns:a16="http://schemas.microsoft.com/office/drawing/2014/main" id="{2D37D411-9A6D-4CE7-9E08-A00B920284AB}"/>
               </a:ext>
             </a:extLst>
           </p:cNvPr>
@@ -6984,7 +7078,7 @@
           <p:cNvPr id="4" name="Content Placeholder 3">
             <a:extLst>
               <a:ext uri="{FF2B5EF4-FFF2-40B4-BE49-F238E27FC236}">
-                <a16:creationId xmlns:a16="http://schemas.microsoft.com/office/drawing/2014/main" xmlns="" id="{F07C75BC-32D2-471A-BC76-93F328DB3B7B}"/>
+                <a16:creationId xmlns:a16="http://schemas.microsoft.com/office/drawing/2014/main" id="{F07C75BC-32D2-471A-BC76-93F328DB3B7B}"/>
               </a:ext>
             </a:extLst>
           </p:cNvPr>
@@ -7002,21 +7096,8 @@
           <a:p>
             <a:r>
               <a:rPr lang="en-US" dirty="0"/>
-              <a:t>Prioritizing </a:t>
-            </a:r>
-            <a:r>
-              <a:rPr lang="en-US" dirty="0" smtClean="0"/>
-              <a:t>Android compatibility using </a:t>
-            </a:r>
-            <a:r>
-              <a:rPr lang="en-US" dirty="0"/>
-              <a:t>a web-based </a:t>
-            </a:r>
-            <a:r>
-              <a:rPr lang="en-US" dirty="0" smtClean="0"/>
-              <a:t>application. </a:t>
-            </a:r>
-            <a:endParaRPr lang="en-US" dirty="0"/>
+              <a:t>Prioritizing Android compatibility using a web-based application. </a:t>
+            </a:r>
           </a:p>
           <a:p>
             <a:r>
@@ -7037,7 +7118,7 @@
           <p:cNvPr id="5" name="Text Placeholder 4">
             <a:extLst>
               <a:ext uri="{FF2B5EF4-FFF2-40B4-BE49-F238E27FC236}">
-                <a16:creationId xmlns:a16="http://schemas.microsoft.com/office/drawing/2014/main" xmlns="" id="{CAC99D2E-83CC-49F9-96FD-4742C4DD2559}"/>
+                <a16:creationId xmlns:a16="http://schemas.microsoft.com/office/drawing/2014/main" id="{CAC99D2E-83CC-49F9-96FD-4742C4DD2559}"/>
               </a:ext>
             </a:extLst>
           </p:cNvPr>
@@ -7065,7 +7146,7 @@
           <p:cNvPr id="6" name="Content Placeholder 5">
             <a:extLst>
               <a:ext uri="{FF2B5EF4-FFF2-40B4-BE49-F238E27FC236}">
-                <a16:creationId xmlns:a16="http://schemas.microsoft.com/office/drawing/2014/main" xmlns="" id="{C4BCDA0F-0D7F-4DA7-A18B-97DE27E881C6}"/>
+                <a16:creationId xmlns:a16="http://schemas.microsoft.com/office/drawing/2014/main" id="{C4BCDA0F-0D7F-4DA7-A18B-97DE27E881C6}"/>
               </a:ext>
             </a:extLst>
           </p:cNvPr>
@@ -7141,7 +7222,7 @@
           <p:cNvPr id="8" name="Content Placeholder 7">
             <a:extLst>
               <a:ext uri="{FF2B5EF4-FFF2-40B4-BE49-F238E27FC236}">
-                <a16:creationId xmlns:a16="http://schemas.microsoft.com/office/drawing/2014/main" xmlns="" id="{9808B6F8-4D39-439F-AEB4-03CAB65228A7}"/>
+                <a16:creationId xmlns:a16="http://schemas.microsoft.com/office/drawing/2014/main" id="{9808B6F8-4D39-439F-AEB4-03CAB65228A7}"/>
               </a:ext>
             </a:extLst>
           </p:cNvPr>
@@ -7160,8 +7241,8 @@
         </p:blipFill>
         <p:spPr>
           <a:xfrm>
-            <a:off x="2162969" y="1694656"/>
-            <a:ext cx="7866062" cy="3468687"/>
+            <a:off x="1615893" y="1453413"/>
+            <a:ext cx="8960214" cy="3951174"/>
           </a:xfrm>
         </p:spPr>
       </p:pic>
@@ -7200,7 +7281,7 @@
           <p:cNvPr id="3" name="Picture 2">
             <a:extLst>
               <a:ext uri="{FF2B5EF4-FFF2-40B4-BE49-F238E27FC236}">
-                <a16:creationId xmlns:a16="http://schemas.microsoft.com/office/drawing/2014/main" xmlns="" id="{3E8502E8-8EBC-4703-A6E2-EA5A3BD37F0E}"/>
+                <a16:creationId xmlns:a16="http://schemas.microsoft.com/office/drawing/2014/main" id="{3E8502E8-8EBC-4703-A6E2-EA5A3BD37F0E}"/>
               </a:ext>
             </a:extLst>
           </p:cNvPr>
@@ -7260,7 +7341,7 @@
           <p:cNvPr id="3" name="Picture 2">
             <a:extLst>
               <a:ext uri="{FF2B5EF4-FFF2-40B4-BE49-F238E27FC236}">
-                <a16:creationId xmlns:a16="http://schemas.microsoft.com/office/drawing/2014/main" xmlns="" id="{6F562C10-67F3-4336-ACAD-3CCE38987EFB}"/>
+                <a16:creationId xmlns:a16="http://schemas.microsoft.com/office/drawing/2014/main" id="{6F562C10-67F3-4336-ACAD-3CCE38987EFB}"/>
               </a:ext>
             </a:extLst>
           </p:cNvPr>
@@ -7320,7 +7401,7 @@
           <p:cNvPr id="3" name="Picture 2" descr="A screenshot of a cell phone&#10;&#10;Description generated with very high confidence">
             <a:extLst>
               <a:ext uri="{FF2B5EF4-FFF2-40B4-BE49-F238E27FC236}">
-                <a16:creationId xmlns:a16="http://schemas.microsoft.com/office/drawing/2014/main" xmlns="" id="{20DE1A84-34C3-4E92-B3B6-46A83577031F}"/>
+                <a16:creationId xmlns:a16="http://schemas.microsoft.com/office/drawing/2014/main" id="{20DE1A84-34C3-4E92-B3B6-46A83577031F}"/>
               </a:ext>
             </a:extLst>
           </p:cNvPr>
@@ -7380,7 +7461,7 @@
           <p:cNvPr id="3" name="Picture 2" descr="A screenshot of a cell phone&#10;&#10;Description generated with very high confidence">
             <a:extLst>
               <a:ext uri="{FF2B5EF4-FFF2-40B4-BE49-F238E27FC236}">
-                <a16:creationId xmlns:a16="http://schemas.microsoft.com/office/drawing/2014/main" xmlns="" id="{92C202E7-8607-4D8C-AD61-219BA88A9074}"/>
+                <a16:creationId xmlns:a16="http://schemas.microsoft.com/office/drawing/2014/main" id="{92C202E7-8607-4D8C-AD61-219BA88A9074}"/>
               </a:ext>
             </a:extLst>
           </p:cNvPr>
@@ -7440,7 +7521,7 @@
           <p:cNvPr id="3" name="Picture 2" descr="A screenshot of a social media post&#10;&#10;Description generated with very high confidence">
             <a:extLst>
               <a:ext uri="{FF2B5EF4-FFF2-40B4-BE49-F238E27FC236}">
-                <a16:creationId xmlns:a16="http://schemas.microsoft.com/office/drawing/2014/main" xmlns="" id="{1B63A0D7-8725-4874-A5CF-C0114290CF87}"/>
+                <a16:creationId xmlns:a16="http://schemas.microsoft.com/office/drawing/2014/main" id="{1B63A0D7-8725-4874-A5CF-C0114290CF87}"/>
               </a:ext>
             </a:extLst>
           </p:cNvPr>
@@ -7738,7 +7819,7 @@
   <a:extraClrSchemeLst/>
   <a:extLst>
     <a:ext uri="{05A4C25C-085E-4340-85A3-A5531E510DB2}">
-      <thm15:themeFamily xmlns:thm15="http://schemas.microsoft.com/office/thememl/2012/main" xmlns="" name="Ion" id="{B8441ADB-2E43-4AF7-B97A-BD870242C6A8}" vid="{292E63A9-BB86-4E3D-B92A-7223C6510D2E}"/>
+      <thm15:themeFamily xmlns:thm15="http://schemas.microsoft.com/office/thememl/2012/main" name="Ion" id="{B8441ADB-2E43-4AF7-B97A-BD870242C6A8}" vid="{292E63A9-BB86-4E3D-B92A-7223C6510D2E}"/>
     </a:ext>
   </a:extLst>
 </a:theme>
